--- a/docs/freedom friday.pptx
+++ b/docs/freedom friday.pptx
@@ -5,12 +5,15 @@
     <p:sldMasterId id="2147483672" r:id="rId1"/>
   </p:sldMasterIdLst>
   <p:notesMasterIdLst>
-    <p:notesMasterId r:id="rId5"/>
+    <p:notesMasterId r:id="rId8"/>
   </p:notesMasterIdLst>
   <p:sldIdLst>
     <p:sldId id="257" r:id="rId2"/>
-    <p:sldId id="288" r:id="rId3"/>
-    <p:sldId id="289" r:id="rId4"/>
+    <p:sldId id="290" r:id="rId3"/>
+    <p:sldId id="291" r:id="rId4"/>
+    <p:sldId id="292" r:id="rId5"/>
+    <p:sldId id="288" r:id="rId6"/>
+    <p:sldId id="289" r:id="rId7"/>
   </p:sldIdLst>
   <p:sldSz cx="9144000" cy="5143500" type="screen16x9"/>
   <p:notesSz cx="6858000" cy="9144000"/>
@@ -199,7 +202,7 @@
           <a:p>
             <a:fld id="{8ED124E6-95B4-4D45-BE81-E9FE29BE3191}" type="datetimeFigureOut">
               <a:rPr lang="en-US" smtClean="0"/>
-              <a:t>9/14/2018</a:t>
+              <a:t>9/27/2018</a:t>
             </a:fld>
             <a:endParaRPr lang="en-US"/>
           </a:p>
@@ -639,7 +642,7 @@
           <p:cNvPr id="4" name="Picture 3">
             <a:extLst>
               <a:ext uri="{FF2B5EF4-FFF2-40B4-BE49-F238E27FC236}">
-                <a16:creationId xmlns:a16="http://schemas.microsoft.com/office/drawing/2014/main" id="{1DBC7A36-A06D-4669-A133-FAA691C96799}"/>
+                <a16:creationId xmlns:a16="http://schemas.microsoft.com/office/drawing/2014/main" xmlns="" id="{1DBC7A36-A06D-4669-A133-FAA691C96799}"/>
               </a:ext>
             </a:extLst>
           </p:cNvPr>
@@ -675,7 +678,7 @@
           <p:cNvPr id="6" name="Rectangle 5">
             <a:extLst>
               <a:ext uri="{FF2B5EF4-FFF2-40B4-BE49-F238E27FC236}">
-                <a16:creationId xmlns:a16="http://schemas.microsoft.com/office/drawing/2014/main" id="{87BA0CC6-EB26-42C8-B5FE-9378D0691855}"/>
+                <a16:creationId xmlns:a16="http://schemas.microsoft.com/office/drawing/2014/main" xmlns="" id="{87BA0CC6-EB26-42C8-B5FE-9378D0691855}"/>
               </a:ext>
             </a:extLst>
           </p:cNvPr>
@@ -721,7 +724,7 @@
           <p:cNvPr id="8" name="Picture 7">
             <a:extLst>
               <a:ext uri="{FF2B5EF4-FFF2-40B4-BE49-F238E27FC236}">
-                <a16:creationId xmlns:a16="http://schemas.microsoft.com/office/drawing/2014/main" id="{2BC1090D-3F0A-8F4B-9195-351764651779}"/>
+                <a16:creationId xmlns:a16="http://schemas.microsoft.com/office/drawing/2014/main" xmlns="" id="{2BC1090D-3F0A-8F4B-9195-351764651779}"/>
               </a:ext>
             </a:extLst>
           </p:cNvPr>
@@ -751,7 +754,7 @@
           <p:cNvPr id="7" name="Graphic 6">
             <a:extLst>
               <a:ext uri="{FF2B5EF4-FFF2-40B4-BE49-F238E27FC236}">
-                <a16:creationId xmlns:a16="http://schemas.microsoft.com/office/drawing/2014/main" id="{C009C431-52C6-E249-B511-01EC98CD76FA}"/>
+                <a16:creationId xmlns:a16="http://schemas.microsoft.com/office/drawing/2014/main" xmlns="" id="{C009C431-52C6-E249-B511-01EC98CD76FA}"/>
               </a:ext>
             </a:extLst>
           </p:cNvPr>
@@ -764,7 +767,7 @@
           <a:blip r:embed="rId4">
             <a:extLst>
               <a:ext uri="{96DAC541-7B7A-43D3-8B79-37D633B846F1}">
-                <asvg:svgBlip xmlns:asvg="http://schemas.microsoft.com/office/drawing/2016/SVG/main" xmlns="" r:embed="rId5"/>
+                <asvg:svgBlip xmlns="" xmlns:asvg="http://schemas.microsoft.com/office/drawing/2016/SVG/main" r:embed="rId5"/>
               </a:ext>
             </a:extLst>
           </a:blip>
@@ -1146,7 +1149,7 @@
           <p:cNvPr id="4" name="Graphic 3">
             <a:extLst>
               <a:ext uri="{FF2B5EF4-FFF2-40B4-BE49-F238E27FC236}">
-                <a16:creationId xmlns:a16="http://schemas.microsoft.com/office/drawing/2014/main" id="{6B458DEA-7E7A-4E91-BD4D-BAA3C87E8FC5}"/>
+                <a16:creationId xmlns:a16="http://schemas.microsoft.com/office/drawing/2014/main" xmlns="" id="{6B458DEA-7E7A-4E91-BD4D-BAA3C87E8FC5}"/>
               </a:ext>
             </a:extLst>
           </p:cNvPr>
@@ -1159,7 +1162,7 @@
           <a:blip r:embed="rId3">
             <a:extLst>
               <a:ext uri="{96DAC541-7B7A-43D3-8B79-37D633B846F1}">
-                <asvg:svgBlip xmlns:asvg="http://schemas.microsoft.com/office/drawing/2016/SVG/main" xmlns="" r:embed="rId4"/>
+                <asvg:svgBlip xmlns="" xmlns:asvg="http://schemas.microsoft.com/office/drawing/2016/SVG/main" r:embed="rId4"/>
               </a:ext>
             </a:extLst>
           </a:blip>
@@ -1482,7 +1485,7 @@
           <p:cNvPr id="12" name="Picture 11">
             <a:extLst>
               <a:ext uri="{FF2B5EF4-FFF2-40B4-BE49-F238E27FC236}">
-                <a16:creationId xmlns:a16="http://schemas.microsoft.com/office/drawing/2014/main" id="{88E09DB6-E1C8-425E-B164-CEC8F19F0C1E}"/>
+                <a16:creationId xmlns:a16="http://schemas.microsoft.com/office/drawing/2014/main" xmlns="" id="{88E09DB6-E1C8-425E-B164-CEC8F19F0C1E}"/>
               </a:ext>
             </a:extLst>
           </p:cNvPr>
@@ -1518,7 +1521,7 @@
           <p:cNvPr id="14" name="Rectangle 13">
             <a:extLst>
               <a:ext uri="{FF2B5EF4-FFF2-40B4-BE49-F238E27FC236}">
-                <a16:creationId xmlns:a16="http://schemas.microsoft.com/office/drawing/2014/main" id="{43F9D502-E303-4D25-88FC-76B7445FA7B4}"/>
+                <a16:creationId xmlns:a16="http://schemas.microsoft.com/office/drawing/2014/main" xmlns="" id="{43F9D502-E303-4D25-88FC-76B7445FA7B4}"/>
               </a:ext>
             </a:extLst>
           </p:cNvPr>
@@ -1564,7 +1567,7 @@
           <p:cNvPr id="15" name="Graphic 14">
             <a:extLst>
               <a:ext uri="{FF2B5EF4-FFF2-40B4-BE49-F238E27FC236}">
-                <a16:creationId xmlns:a16="http://schemas.microsoft.com/office/drawing/2014/main" id="{D9D6CE08-C536-419D-81BD-98E652B995ED}"/>
+                <a16:creationId xmlns:a16="http://schemas.microsoft.com/office/drawing/2014/main" xmlns="" id="{D9D6CE08-C536-419D-81BD-98E652B995ED}"/>
               </a:ext>
             </a:extLst>
           </p:cNvPr>
@@ -1577,7 +1580,7 @@
           <a:blip r:embed="rId3">
             <a:extLst>
               <a:ext uri="{96DAC541-7B7A-43D3-8B79-37D633B846F1}">
-                <asvg:svgBlip xmlns:asvg="http://schemas.microsoft.com/office/drawing/2016/SVG/main" xmlns="" r:embed="rId4"/>
+                <asvg:svgBlip xmlns="" xmlns:asvg="http://schemas.microsoft.com/office/drawing/2016/SVG/main" r:embed="rId4"/>
               </a:ext>
             </a:extLst>
           </a:blip>
@@ -1897,7 +1900,7 @@
           <p:cNvPr id="12" name="Picture 11">
             <a:extLst>
               <a:ext uri="{FF2B5EF4-FFF2-40B4-BE49-F238E27FC236}">
-                <a16:creationId xmlns:a16="http://schemas.microsoft.com/office/drawing/2014/main" id="{00EA963C-D631-4097-8F1D-B659DE021C43}"/>
+                <a16:creationId xmlns:a16="http://schemas.microsoft.com/office/drawing/2014/main" xmlns="" id="{00EA963C-D631-4097-8F1D-B659DE021C43}"/>
               </a:ext>
             </a:extLst>
           </p:cNvPr>
@@ -1933,7 +1936,7 @@
           <p:cNvPr id="14" name="Rectangle 13">
             <a:extLst>
               <a:ext uri="{FF2B5EF4-FFF2-40B4-BE49-F238E27FC236}">
-                <a16:creationId xmlns:a16="http://schemas.microsoft.com/office/drawing/2014/main" id="{8033E927-0C65-455B-8541-4C81DABC4D10}"/>
+                <a16:creationId xmlns:a16="http://schemas.microsoft.com/office/drawing/2014/main" xmlns="" id="{8033E927-0C65-455B-8541-4C81DABC4D10}"/>
               </a:ext>
             </a:extLst>
           </p:cNvPr>
@@ -1979,7 +1982,7 @@
           <p:cNvPr id="15" name="Graphic 14">
             <a:extLst>
               <a:ext uri="{FF2B5EF4-FFF2-40B4-BE49-F238E27FC236}">
-                <a16:creationId xmlns:a16="http://schemas.microsoft.com/office/drawing/2014/main" id="{968B3F1F-5B45-408F-AC31-FBE83F9AB823}"/>
+                <a16:creationId xmlns:a16="http://schemas.microsoft.com/office/drawing/2014/main" xmlns="" id="{968B3F1F-5B45-408F-AC31-FBE83F9AB823}"/>
               </a:ext>
             </a:extLst>
           </p:cNvPr>
@@ -1992,7 +1995,7 @@
           <a:blip r:embed="rId3">
             <a:extLst>
               <a:ext uri="{96DAC541-7B7A-43D3-8B79-37D633B846F1}">
-                <asvg:svgBlip xmlns:asvg="http://schemas.microsoft.com/office/drawing/2016/SVG/main" xmlns="" r:embed="rId4"/>
+                <asvg:svgBlip xmlns="" xmlns:asvg="http://schemas.microsoft.com/office/drawing/2016/SVG/main" r:embed="rId4"/>
               </a:ext>
             </a:extLst>
           </a:blip>
@@ -2312,7 +2315,7 @@
           <p:cNvPr id="12" name="Picture 11">
             <a:extLst>
               <a:ext uri="{FF2B5EF4-FFF2-40B4-BE49-F238E27FC236}">
-                <a16:creationId xmlns:a16="http://schemas.microsoft.com/office/drawing/2014/main" id="{AC5A9599-7831-4D40-B109-3F5FE2D9E8E6}"/>
+                <a16:creationId xmlns:a16="http://schemas.microsoft.com/office/drawing/2014/main" xmlns="" id="{AC5A9599-7831-4D40-B109-3F5FE2D9E8E6}"/>
               </a:ext>
             </a:extLst>
           </p:cNvPr>
@@ -2348,7 +2351,7 @@
           <p:cNvPr id="14" name="Rectangle 13">
             <a:extLst>
               <a:ext uri="{FF2B5EF4-FFF2-40B4-BE49-F238E27FC236}">
-                <a16:creationId xmlns:a16="http://schemas.microsoft.com/office/drawing/2014/main" id="{185922D7-6190-42AF-BD36-90B261CE4EC8}"/>
+                <a16:creationId xmlns:a16="http://schemas.microsoft.com/office/drawing/2014/main" xmlns="" id="{185922D7-6190-42AF-BD36-90B261CE4EC8}"/>
               </a:ext>
             </a:extLst>
           </p:cNvPr>
@@ -2394,7 +2397,7 @@
           <p:cNvPr id="15" name="Graphic 14">
             <a:extLst>
               <a:ext uri="{FF2B5EF4-FFF2-40B4-BE49-F238E27FC236}">
-                <a16:creationId xmlns:a16="http://schemas.microsoft.com/office/drawing/2014/main" id="{48AC55AE-B677-46C7-AF18-B7116479F0D0}"/>
+                <a16:creationId xmlns:a16="http://schemas.microsoft.com/office/drawing/2014/main" xmlns="" id="{48AC55AE-B677-46C7-AF18-B7116479F0D0}"/>
               </a:ext>
             </a:extLst>
           </p:cNvPr>
@@ -2407,7 +2410,7 @@
           <a:blip r:embed="rId3">
             <a:extLst>
               <a:ext uri="{96DAC541-7B7A-43D3-8B79-37D633B846F1}">
-                <asvg:svgBlip xmlns:asvg="http://schemas.microsoft.com/office/drawing/2016/SVG/main" xmlns="" r:embed="rId4"/>
+                <asvg:svgBlip xmlns="" xmlns:asvg="http://schemas.microsoft.com/office/drawing/2016/SVG/main" r:embed="rId4"/>
               </a:ext>
             </a:extLst>
           </a:blip>
@@ -2727,7 +2730,7 @@
           <p:cNvPr id="12" name="Picture 11">
             <a:extLst>
               <a:ext uri="{FF2B5EF4-FFF2-40B4-BE49-F238E27FC236}">
-                <a16:creationId xmlns:a16="http://schemas.microsoft.com/office/drawing/2014/main" id="{9B9CD3EE-43F5-4DBF-819C-C6778A8C2BC2}"/>
+                <a16:creationId xmlns:a16="http://schemas.microsoft.com/office/drawing/2014/main" xmlns="" id="{9B9CD3EE-43F5-4DBF-819C-C6778A8C2BC2}"/>
               </a:ext>
             </a:extLst>
           </p:cNvPr>
@@ -2763,7 +2766,7 @@
           <p:cNvPr id="14" name="Rectangle 13">
             <a:extLst>
               <a:ext uri="{FF2B5EF4-FFF2-40B4-BE49-F238E27FC236}">
-                <a16:creationId xmlns:a16="http://schemas.microsoft.com/office/drawing/2014/main" id="{022E9E65-7159-4677-A558-F7C7A827174A}"/>
+                <a16:creationId xmlns:a16="http://schemas.microsoft.com/office/drawing/2014/main" xmlns="" id="{022E9E65-7159-4677-A558-F7C7A827174A}"/>
               </a:ext>
             </a:extLst>
           </p:cNvPr>
@@ -2809,7 +2812,7 @@
           <p:cNvPr id="15" name="Graphic 14">
             <a:extLst>
               <a:ext uri="{FF2B5EF4-FFF2-40B4-BE49-F238E27FC236}">
-                <a16:creationId xmlns:a16="http://schemas.microsoft.com/office/drawing/2014/main" id="{064B6C43-8A4A-4CF9-9595-DD89897C2777}"/>
+                <a16:creationId xmlns:a16="http://schemas.microsoft.com/office/drawing/2014/main" xmlns="" id="{064B6C43-8A4A-4CF9-9595-DD89897C2777}"/>
               </a:ext>
             </a:extLst>
           </p:cNvPr>
@@ -2822,7 +2825,7 @@
           <a:blip r:embed="rId3">
             <a:extLst>
               <a:ext uri="{96DAC541-7B7A-43D3-8B79-37D633B846F1}">
-                <asvg:svgBlip xmlns:asvg="http://schemas.microsoft.com/office/drawing/2016/SVG/main" xmlns="" r:embed="rId4"/>
+                <asvg:svgBlip xmlns="" xmlns:asvg="http://schemas.microsoft.com/office/drawing/2016/SVG/main" r:embed="rId4"/>
               </a:ext>
             </a:extLst>
           </a:blip>
@@ -3052,7 +3055,7 @@
           <p:cNvPr id="7" name="Picture 6">
             <a:extLst>
               <a:ext uri="{FF2B5EF4-FFF2-40B4-BE49-F238E27FC236}">
-                <a16:creationId xmlns:a16="http://schemas.microsoft.com/office/drawing/2014/main" id="{BA61EC88-95AB-4346-9A31-7D73398781E4}"/>
+                <a16:creationId xmlns:a16="http://schemas.microsoft.com/office/drawing/2014/main" xmlns="" id="{BA61EC88-95AB-4346-9A31-7D73398781E4}"/>
               </a:ext>
             </a:extLst>
           </p:cNvPr>
@@ -3088,7 +3091,7 @@
           <p:cNvPr id="9" name="Rectangle 8">
             <a:extLst>
               <a:ext uri="{FF2B5EF4-FFF2-40B4-BE49-F238E27FC236}">
-                <a16:creationId xmlns:a16="http://schemas.microsoft.com/office/drawing/2014/main" id="{E1107DDA-3356-496E-820D-F8E2C3B93FB0}"/>
+                <a16:creationId xmlns:a16="http://schemas.microsoft.com/office/drawing/2014/main" xmlns="" id="{E1107DDA-3356-496E-820D-F8E2C3B93FB0}"/>
               </a:ext>
             </a:extLst>
           </p:cNvPr>
@@ -3134,7 +3137,7 @@
           <p:cNvPr id="12" name="Picture 11">
             <a:extLst>
               <a:ext uri="{FF2B5EF4-FFF2-40B4-BE49-F238E27FC236}">
-                <a16:creationId xmlns:a16="http://schemas.microsoft.com/office/drawing/2014/main" id="{7A85E918-F91C-984D-A9CF-AA4EBFEB64C2}"/>
+                <a16:creationId xmlns:a16="http://schemas.microsoft.com/office/drawing/2014/main" xmlns="" id="{7A85E918-F91C-984D-A9CF-AA4EBFEB64C2}"/>
               </a:ext>
             </a:extLst>
           </p:cNvPr>
@@ -3164,7 +3167,7 @@
           <p:cNvPr id="10" name="Graphic 9">
             <a:extLst>
               <a:ext uri="{FF2B5EF4-FFF2-40B4-BE49-F238E27FC236}">
-                <a16:creationId xmlns:a16="http://schemas.microsoft.com/office/drawing/2014/main" id="{9029B3F8-2494-F34B-8149-64D5F6207F6A}"/>
+                <a16:creationId xmlns:a16="http://schemas.microsoft.com/office/drawing/2014/main" xmlns="" id="{9029B3F8-2494-F34B-8149-64D5F6207F6A}"/>
               </a:ext>
             </a:extLst>
           </p:cNvPr>
@@ -3177,7 +3180,7 @@
           <a:blip r:embed="rId4">
             <a:extLst>
               <a:ext uri="{96DAC541-7B7A-43D3-8B79-37D633B846F1}">
-                <asvg:svgBlip xmlns:asvg="http://schemas.microsoft.com/office/drawing/2016/SVG/main" xmlns="" r:embed="rId5"/>
+                <asvg:svgBlip xmlns="" xmlns:asvg="http://schemas.microsoft.com/office/drawing/2016/SVG/main" r:embed="rId5"/>
               </a:ext>
             </a:extLst>
           </a:blip>
@@ -3452,7 +3455,7 @@
           <p:cNvPr id="10" name="Rectangle 9">
             <a:extLst>
               <a:ext uri="{FF2B5EF4-FFF2-40B4-BE49-F238E27FC236}">
-                <a16:creationId xmlns:a16="http://schemas.microsoft.com/office/drawing/2014/main" id="{D9517C50-B947-47A4-83E1-B84B923F78DB}"/>
+                <a16:creationId xmlns:a16="http://schemas.microsoft.com/office/drawing/2014/main" xmlns="" id="{D9517C50-B947-47A4-83E1-B84B923F78DB}"/>
               </a:ext>
             </a:extLst>
           </p:cNvPr>
@@ -3498,7 +3501,7 @@
           <p:cNvPr id="9" name="Picture 8">
             <a:extLst>
               <a:ext uri="{FF2B5EF4-FFF2-40B4-BE49-F238E27FC236}">
-                <a16:creationId xmlns:a16="http://schemas.microsoft.com/office/drawing/2014/main" id="{DF01465A-4EE3-E34C-BA2E-5CB1656442DF}"/>
+                <a16:creationId xmlns:a16="http://schemas.microsoft.com/office/drawing/2014/main" xmlns="" id="{DF01465A-4EE3-E34C-BA2E-5CB1656442DF}"/>
               </a:ext>
             </a:extLst>
           </p:cNvPr>
@@ -3648,7 +3651,7 @@
           <p:cNvPr id="7" name="Picture 6">
             <a:extLst>
               <a:ext uri="{FF2B5EF4-FFF2-40B4-BE49-F238E27FC236}">
-                <a16:creationId xmlns:a16="http://schemas.microsoft.com/office/drawing/2014/main" id="{7C5ADE1D-D0C4-144B-A4D1-954470A31286}"/>
+                <a16:creationId xmlns:a16="http://schemas.microsoft.com/office/drawing/2014/main" xmlns="" id="{7C5ADE1D-D0C4-144B-A4D1-954470A31286}"/>
               </a:ext>
             </a:extLst>
           </p:cNvPr>
@@ -3678,7 +3681,7 @@
           <p:cNvPr id="6" name="Graphic 5">
             <a:extLst>
               <a:ext uri="{FF2B5EF4-FFF2-40B4-BE49-F238E27FC236}">
-                <a16:creationId xmlns:a16="http://schemas.microsoft.com/office/drawing/2014/main" id="{75FC8870-B49C-3F4C-9E80-6EFEFC78231F}"/>
+                <a16:creationId xmlns:a16="http://schemas.microsoft.com/office/drawing/2014/main" xmlns="" id="{75FC8870-B49C-3F4C-9E80-6EFEFC78231F}"/>
               </a:ext>
             </a:extLst>
           </p:cNvPr>
@@ -3691,7 +3694,7 @@
           <a:blip r:embed="rId3">
             <a:extLst>
               <a:ext uri="{96DAC541-7B7A-43D3-8B79-37D633B846F1}">
-                <asvg:svgBlip xmlns:asvg="http://schemas.microsoft.com/office/drawing/2016/SVG/main" xmlns="" r:embed="rId4"/>
+                <asvg:svgBlip xmlns="" xmlns:asvg="http://schemas.microsoft.com/office/drawing/2016/SVG/main" r:embed="rId4"/>
               </a:ext>
             </a:extLst>
           </a:blip>
@@ -3751,7 +3754,7 @@
           <p:cNvPr id="7" name="Graphic 6">
             <a:extLst>
               <a:ext uri="{FF2B5EF4-FFF2-40B4-BE49-F238E27FC236}">
-                <a16:creationId xmlns:a16="http://schemas.microsoft.com/office/drawing/2014/main" id="{449248B8-36D6-2444-8083-9206611E6A58}"/>
+                <a16:creationId xmlns:a16="http://schemas.microsoft.com/office/drawing/2014/main" xmlns="" id="{449248B8-36D6-2444-8083-9206611E6A58}"/>
               </a:ext>
             </a:extLst>
           </p:cNvPr>
@@ -3764,7 +3767,7 @@
           <a:blip r:embed="rId2">
             <a:extLst>
               <a:ext uri="{96DAC541-7B7A-43D3-8B79-37D633B846F1}">
-                <asvg:svgBlip xmlns:asvg="http://schemas.microsoft.com/office/drawing/2016/SVG/main" xmlns="" r:embed="rId3"/>
+                <asvg:svgBlip xmlns="" xmlns:asvg="http://schemas.microsoft.com/office/drawing/2016/SVG/main" r:embed="rId3"/>
               </a:ext>
             </a:extLst>
           </a:blip>
@@ -3786,7 +3789,7 @@
           <p:cNvPr id="3" name="Rectangle 2">
             <a:extLst>
               <a:ext uri="{FF2B5EF4-FFF2-40B4-BE49-F238E27FC236}">
-                <a16:creationId xmlns:a16="http://schemas.microsoft.com/office/drawing/2014/main" id="{4970D4A9-0CAF-0440-A872-837949740850}"/>
+                <a16:creationId xmlns:a16="http://schemas.microsoft.com/office/drawing/2014/main" xmlns="" id="{4970D4A9-0CAF-0440-A872-837949740850}"/>
               </a:ext>
             </a:extLst>
           </p:cNvPr>
@@ -3837,7 +3840,7 @@
           <p:cNvPr id="9" name="Straight Connector 8">
             <a:extLst>
               <a:ext uri="{FF2B5EF4-FFF2-40B4-BE49-F238E27FC236}">
-                <a16:creationId xmlns:a16="http://schemas.microsoft.com/office/drawing/2014/main" id="{42096364-00E3-1B41-935E-2FB2AFA47BDC}"/>
+                <a16:creationId xmlns:a16="http://schemas.microsoft.com/office/drawing/2014/main" xmlns="" id="{42096364-00E3-1B41-935E-2FB2AFA47BDC}"/>
               </a:ext>
             </a:extLst>
           </p:cNvPr>
@@ -3982,7 +3985,7 @@
           <p:cNvPr id="11" name="Picture 10">
             <a:extLst>
               <a:ext uri="{FF2B5EF4-FFF2-40B4-BE49-F238E27FC236}">
-                <a16:creationId xmlns:a16="http://schemas.microsoft.com/office/drawing/2014/main" id="{0F9E2D2A-6A45-124C-893D-E1E86CF35418}"/>
+                <a16:creationId xmlns:a16="http://schemas.microsoft.com/office/drawing/2014/main" xmlns="" id="{0F9E2D2A-6A45-124C-893D-E1E86CF35418}"/>
               </a:ext>
             </a:extLst>
           </p:cNvPr>
@@ -4011,7 +4014,7 @@
           <p:cNvPr id="12" name="Graphic 11">
             <a:extLst>
               <a:ext uri="{FF2B5EF4-FFF2-40B4-BE49-F238E27FC236}">
-                <a16:creationId xmlns:a16="http://schemas.microsoft.com/office/drawing/2014/main" id="{5DE69518-7BE9-3A47-AF23-27C337319473}"/>
+                <a16:creationId xmlns:a16="http://schemas.microsoft.com/office/drawing/2014/main" xmlns="" id="{5DE69518-7BE9-3A47-AF23-27C337319473}"/>
               </a:ext>
             </a:extLst>
           </p:cNvPr>
@@ -4024,7 +4027,7 @@
           <a:blip r:embed="rId5">
             <a:extLst>
               <a:ext uri="{96DAC541-7B7A-43D3-8B79-37D633B846F1}">
-                <asvg:svgBlip xmlns:asvg="http://schemas.microsoft.com/office/drawing/2016/SVG/main" xmlns="" r:embed="rId6"/>
+                <asvg:svgBlip xmlns="" xmlns:asvg="http://schemas.microsoft.com/office/drawing/2016/SVG/main" r:embed="rId6"/>
               </a:ext>
             </a:extLst>
           </a:blip>
@@ -4496,7 +4499,7 @@
             <p:cNvPr id="11" name="Straight Connector 10">
               <a:extLst>
                 <a:ext uri="{FF2B5EF4-FFF2-40B4-BE49-F238E27FC236}">
-                  <a16:creationId xmlns:a16="http://schemas.microsoft.com/office/drawing/2014/main" id="{A11EE908-9F9A-48A1-8599-E848249DDC74}"/>
+                  <a16:creationId xmlns:a16="http://schemas.microsoft.com/office/drawing/2014/main" xmlns="" id="{A11EE908-9F9A-48A1-8599-E848249DDC74}"/>
                 </a:ext>
               </a:extLst>
             </p:cNvPr>
@@ -4539,7 +4542,7 @@
             <p:cNvPr id="12" name="Oval 11">
               <a:extLst>
                 <a:ext uri="{FF2B5EF4-FFF2-40B4-BE49-F238E27FC236}">
-                  <a16:creationId xmlns:a16="http://schemas.microsoft.com/office/drawing/2014/main" id="{FC9AA276-A295-48B2-BA99-9E8135E2C6A8}"/>
+                  <a16:creationId xmlns:a16="http://schemas.microsoft.com/office/drawing/2014/main" xmlns="" id="{FC9AA276-A295-48B2-BA99-9E8135E2C6A8}"/>
                 </a:ext>
               </a:extLst>
             </p:cNvPr>
@@ -4598,7 +4601,7 @@
             <p:cNvPr id="13" name="Oval 12">
               <a:extLst>
                 <a:ext uri="{FF2B5EF4-FFF2-40B4-BE49-F238E27FC236}">
-                  <a16:creationId xmlns:a16="http://schemas.microsoft.com/office/drawing/2014/main" id="{FC9AA276-A295-48B2-BA99-9E8135E2C6A8}"/>
+                  <a16:creationId xmlns:a16="http://schemas.microsoft.com/office/drawing/2014/main" xmlns="" id="{FC9AA276-A295-48B2-BA99-9E8135E2C6A8}"/>
                 </a:ext>
               </a:extLst>
             </p:cNvPr>
@@ -4986,7 +4989,7 @@
             <p:cNvPr id="11" name="Straight Connector 10">
               <a:extLst>
                 <a:ext uri="{FF2B5EF4-FFF2-40B4-BE49-F238E27FC236}">
-                  <a16:creationId xmlns:a16="http://schemas.microsoft.com/office/drawing/2014/main" id="{A11EE908-9F9A-48A1-8599-E848249DDC74}"/>
+                  <a16:creationId xmlns:a16="http://schemas.microsoft.com/office/drawing/2014/main" xmlns="" id="{A11EE908-9F9A-48A1-8599-E848249DDC74}"/>
                 </a:ext>
               </a:extLst>
             </p:cNvPr>
@@ -5029,7 +5032,7 @@
             <p:cNvPr id="12" name="Oval 11">
               <a:extLst>
                 <a:ext uri="{FF2B5EF4-FFF2-40B4-BE49-F238E27FC236}">
-                  <a16:creationId xmlns:a16="http://schemas.microsoft.com/office/drawing/2014/main" id="{FC9AA276-A295-48B2-BA99-9E8135E2C6A8}"/>
+                  <a16:creationId xmlns:a16="http://schemas.microsoft.com/office/drawing/2014/main" xmlns="" id="{FC9AA276-A295-48B2-BA99-9E8135E2C6A8}"/>
                 </a:ext>
               </a:extLst>
             </p:cNvPr>
@@ -5088,7 +5091,7 @@
             <p:cNvPr id="13" name="Oval 12">
               <a:extLst>
                 <a:ext uri="{FF2B5EF4-FFF2-40B4-BE49-F238E27FC236}">
-                  <a16:creationId xmlns:a16="http://schemas.microsoft.com/office/drawing/2014/main" id="{FC9AA276-A295-48B2-BA99-9E8135E2C6A8}"/>
+                  <a16:creationId xmlns:a16="http://schemas.microsoft.com/office/drawing/2014/main" xmlns="" id="{FC9AA276-A295-48B2-BA99-9E8135E2C6A8}"/>
                 </a:ext>
               </a:extLst>
             </p:cNvPr>
@@ -5299,7 +5302,7 @@
           <p:cNvPr id="6" name="Group 5">
             <a:extLst>
               <a:ext uri="{FF2B5EF4-FFF2-40B4-BE49-F238E27FC236}">
-                <a16:creationId xmlns:a16="http://schemas.microsoft.com/office/drawing/2014/main" id="{A581C1E6-81B1-074E-B5F5-1F6DE6C94FD5}"/>
+                <a16:creationId xmlns:a16="http://schemas.microsoft.com/office/drawing/2014/main" xmlns="" id="{A581C1E6-81B1-074E-B5F5-1F6DE6C94FD5}"/>
               </a:ext>
             </a:extLst>
           </p:cNvPr>
@@ -5319,7 +5322,7 @@
             <p:cNvPr id="7" name="Straight Connector 6">
               <a:extLst>
                 <a:ext uri="{FF2B5EF4-FFF2-40B4-BE49-F238E27FC236}">
-                  <a16:creationId xmlns:a16="http://schemas.microsoft.com/office/drawing/2014/main" id="{89E5BD30-D75D-7242-A941-479BB46F77C9}"/>
+                  <a16:creationId xmlns:a16="http://schemas.microsoft.com/office/drawing/2014/main" xmlns="" id="{89E5BD30-D75D-7242-A941-479BB46F77C9}"/>
                 </a:ext>
               </a:extLst>
             </p:cNvPr>
@@ -5363,7 +5366,7 @@
             <p:cNvPr id="8" name="Oval 7">
               <a:extLst>
                 <a:ext uri="{FF2B5EF4-FFF2-40B4-BE49-F238E27FC236}">
-                  <a16:creationId xmlns:a16="http://schemas.microsoft.com/office/drawing/2014/main" id="{FA644883-E2A5-C549-A42F-A51A11126992}"/>
+                  <a16:creationId xmlns:a16="http://schemas.microsoft.com/office/drawing/2014/main" xmlns="" id="{FA644883-E2A5-C549-A42F-A51A11126992}"/>
                 </a:ext>
               </a:extLst>
             </p:cNvPr>
@@ -5422,7 +5425,7 @@
             <p:cNvPr id="9" name="Oval 8">
               <a:extLst>
                 <a:ext uri="{FF2B5EF4-FFF2-40B4-BE49-F238E27FC236}">
-                  <a16:creationId xmlns:a16="http://schemas.microsoft.com/office/drawing/2014/main" id="{A5E3332C-D261-0445-8DAB-5BDB23F762C0}"/>
+                  <a16:creationId xmlns:a16="http://schemas.microsoft.com/office/drawing/2014/main" xmlns="" id="{A5E3332C-D261-0445-8DAB-5BDB23F762C0}"/>
                 </a:ext>
               </a:extLst>
             </p:cNvPr>
@@ -5482,7 +5485,7 @@
           <p:cNvPr id="10" name="Group 9">
             <a:extLst>
               <a:ext uri="{FF2B5EF4-FFF2-40B4-BE49-F238E27FC236}">
-                <a16:creationId xmlns:a16="http://schemas.microsoft.com/office/drawing/2014/main" id="{052FC438-4FDE-7D47-B465-87BA4BCF91D1}"/>
+                <a16:creationId xmlns:a16="http://schemas.microsoft.com/office/drawing/2014/main" xmlns="" id="{052FC438-4FDE-7D47-B465-87BA4BCF91D1}"/>
               </a:ext>
             </a:extLst>
           </p:cNvPr>
@@ -5502,7 +5505,7 @@
             <p:cNvPr id="11" name="Straight Connector 10">
               <a:extLst>
                 <a:ext uri="{FF2B5EF4-FFF2-40B4-BE49-F238E27FC236}">
-                  <a16:creationId xmlns:a16="http://schemas.microsoft.com/office/drawing/2014/main" id="{4BCA1179-609B-3C4C-AE94-20CA65B5AF25}"/>
+                  <a16:creationId xmlns:a16="http://schemas.microsoft.com/office/drawing/2014/main" xmlns="" id="{4BCA1179-609B-3C4C-AE94-20CA65B5AF25}"/>
                 </a:ext>
               </a:extLst>
             </p:cNvPr>
@@ -5545,7 +5548,7 @@
             <p:cNvPr id="12" name="Oval 11">
               <a:extLst>
                 <a:ext uri="{FF2B5EF4-FFF2-40B4-BE49-F238E27FC236}">
-                  <a16:creationId xmlns:a16="http://schemas.microsoft.com/office/drawing/2014/main" id="{8D34590D-04A6-3647-A1FD-11B965F935D6}"/>
+                  <a16:creationId xmlns:a16="http://schemas.microsoft.com/office/drawing/2014/main" xmlns="" id="{8D34590D-04A6-3647-A1FD-11B965F935D6}"/>
                 </a:ext>
               </a:extLst>
             </p:cNvPr>
@@ -5604,7 +5607,7 @@
             <p:cNvPr id="13" name="Oval 12">
               <a:extLst>
                 <a:ext uri="{FF2B5EF4-FFF2-40B4-BE49-F238E27FC236}">
-                  <a16:creationId xmlns:a16="http://schemas.microsoft.com/office/drawing/2014/main" id="{4F9AFDBB-839D-8949-90B9-A5F01FF306D5}"/>
+                  <a16:creationId xmlns:a16="http://schemas.microsoft.com/office/drawing/2014/main" xmlns="" id="{4F9AFDBB-839D-8949-90B9-A5F01FF306D5}"/>
                 </a:ext>
               </a:extLst>
             </p:cNvPr>
@@ -5664,7 +5667,7 @@
           <p:cNvPr id="14" name="Content Placeholder 13">
             <a:extLst>
               <a:ext uri="{FF2B5EF4-FFF2-40B4-BE49-F238E27FC236}">
-                <a16:creationId xmlns:a16="http://schemas.microsoft.com/office/drawing/2014/main" id="{5647B9F7-5481-614C-81E0-EAD8C7522A5B}"/>
+                <a16:creationId xmlns:a16="http://schemas.microsoft.com/office/drawing/2014/main" xmlns="" id="{5647B9F7-5481-614C-81E0-EAD8C7522A5B}"/>
               </a:ext>
             </a:extLst>
           </p:cNvPr>
@@ -5726,7 +5729,7 @@
           <p:cNvPr id="16" name="Content Placeholder 15">
             <a:extLst>
               <a:ext uri="{FF2B5EF4-FFF2-40B4-BE49-F238E27FC236}">
-                <a16:creationId xmlns:a16="http://schemas.microsoft.com/office/drawing/2014/main" id="{BCBE79B6-BC4B-264B-9AF6-938A9FC956FE}"/>
+                <a16:creationId xmlns:a16="http://schemas.microsoft.com/office/drawing/2014/main" xmlns="" id="{BCBE79B6-BC4B-264B-9AF6-938A9FC956FE}"/>
               </a:ext>
             </a:extLst>
           </p:cNvPr>
@@ -5788,7 +5791,7 @@
           <p:cNvPr id="18" name="Content Placeholder 17">
             <a:extLst>
               <a:ext uri="{FF2B5EF4-FFF2-40B4-BE49-F238E27FC236}">
-                <a16:creationId xmlns:a16="http://schemas.microsoft.com/office/drawing/2014/main" id="{EFE874A9-5536-9844-A68E-B045DEAB5012}"/>
+                <a16:creationId xmlns:a16="http://schemas.microsoft.com/office/drawing/2014/main" xmlns="" id="{EFE874A9-5536-9844-A68E-B045DEAB5012}"/>
               </a:ext>
             </a:extLst>
           </p:cNvPr>
@@ -5892,7 +5895,7 @@
           <p:cNvPr id="17" name="Round Diagonal Corner Rectangle 23">
             <a:extLst>
               <a:ext uri="{FF2B5EF4-FFF2-40B4-BE49-F238E27FC236}">
-                <a16:creationId xmlns:a16="http://schemas.microsoft.com/office/drawing/2014/main" id="{CE5B9CEC-630B-D949-98CD-84B619433BF8}"/>
+                <a16:creationId xmlns:a16="http://schemas.microsoft.com/office/drawing/2014/main" xmlns="" id="{CE5B9CEC-630B-D949-98CD-84B619433BF8}"/>
               </a:ext>
             </a:extLst>
           </p:cNvPr>
@@ -6098,7 +6101,7 @@
           <p:cNvPr id="19" name="Round Diagonal Corner Rectangle 23">
             <a:extLst>
               <a:ext uri="{FF2B5EF4-FFF2-40B4-BE49-F238E27FC236}">
-                <a16:creationId xmlns:a16="http://schemas.microsoft.com/office/drawing/2014/main" id="{1A459E13-9301-F947-8359-6D27A2722AB4}"/>
+                <a16:creationId xmlns:a16="http://schemas.microsoft.com/office/drawing/2014/main" xmlns="" id="{1A459E13-9301-F947-8359-6D27A2722AB4}"/>
               </a:ext>
             </a:extLst>
           </p:cNvPr>
@@ -6304,7 +6307,7 @@
           <p:cNvPr id="20" name="Round Diagonal Corner Rectangle 23">
             <a:extLst>
               <a:ext uri="{FF2B5EF4-FFF2-40B4-BE49-F238E27FC236}">
-                <a16:creationId xmlns:a16="http://schemas.microsoft.com/office/drawing/2014/main" id="{0C78E5F8-3E27-6D4B-91E7-2ACC9AFDEC54}"/>
+                <a16:creationId xmlns:a16="http://schemas.microsoft.com/office/drawing/2014/main" xmlns="" id="{0C78E5F8-3E27-6D4B-91E7-2ACC9AFDEC54}"/>
               </a:ext>
             </a:extLst>
           </p:cNvPr>
@@ -6510,7 +6513,7 @@
           <p:cNvPr id="21" name="Round Diagonal Corner Rectangle 23">
             <a:extLst>
               <a:ext uri="{FF2B5EF4-FFF2-40B4-BE49-F238E27FC236}">
-                <a16:creationId xmlns:a16="http://schemas.microsoft.com/office/drawing/2014/main" id="{4253EBE7-1C5C-144C-9713-65D3E9D8D602}"/>
+                <a16:creationId xmlns:a16="http://schemas.microsoft.com/office/drawing/2014/main" xmlns="" id="{4253EBE7-1C5C-144C-9713-65D3E9D8D602}"/>
               </a:ext>
             </a:extLst>
           </p:cNvPr>
@@ -6716,7 +6719,7 @@
           <p:cNvPr id="22" name="Oval 21">
             <a:extLst>
               <a:ext uri="{FF2B5EF4-FFF2-40B4-BE49-F238E27FC236}">
-                <a16:creationId xmlns:a16="http://schemas.microsoft.com/office/drawing/2014/main" id="{346FE596-3E07-3A40-9119-500C276DCD9F}"/>
+                <a16:creationId xmlns:a16="http://schemas.microsoft.com/office/drawing/2014/main" xmlns="" id="{346FE596-3E07-3A40-9119-500C276DCD9F}"/>
               </a:ext>
             </a:extLst>
           </p:cNvPr>
@@ -6767,7 +6770,7 @@
           <p:cNvPr id="24" name="Oval 23">
             <a:extLst>
               <a:ext uri="{FF2B5EF4-FFF2-40B4-BE49-F238E27FC236}">
-                <a16:creationId xmlns:a16="http://schemas.microsoft.com/office/drawing/2014/main" id="{491A93A2-820A-434E-8BFB-62274B3A5CA4}"/>
+                <a16:creationId xmlns:a16="http://schemas.microsoft.com/office/drawing/2014/main" xmlns="" id="{491A93A2-820A-434E-8BFB-62274B3A5CA4}"/>
               </a:ext>
             </a:extLst>
           </p:cNvPr>
@@ -6818,7 +6821,7 @@
           <p:cNvPr id="27" name="Oval 26">
             <a:extLst>
               <a:ext uri="{FF2B5EF4-FFF2-40B4-BE49-F238E27FC236}">
-                <a16:creationId xmlns:a16="http://schemas.microsoft.com/office/drawing/2014/main" id="{39FCCAA4-6877-9044-8C81-BAC69A59B0BF}"/>
+                <a16:creationId xmlns:a16="http://schemas.microsoft.com/office/drawing/2014/main" xmlns="" id="{39FCCAA4-6877-9044-8C81-BAC69A59B0BF}"/>
               </a:ext>
             </a:extLst>
           </p:cNvPr>
@@ -6869,7 +6872,7 @@
           <p:cNvPr id="29" name="Oval 28">
             <a:extLst>
               <a:ext uri="{FF2B5EF4-FFF2-40B4-BE49-F238E27FC236}">
-                <a16:creationId xmlns:a16="http://schemas.microsoft.com/office/drawing/2014/main" id="{56892773-8B20-B740-8CBB-17181B085320}"/>
+                <a16:creationId xmlns:a16="http://schemas.microsoft.com/office/drawing/2014/main" xmlns="" id="{56892773-8B20-B740-8CBB-17181B085320}"/>
               </a:ext>
             </a:extLst>
           </p:cNvPr>
@@ -6920,7 +6923,7 @@
           <p:cNvPr id="30" name="Graphic 29">
             <a:extLst>
               <a:ext uri="{FF2B5EF4-FFF2-40B4-BE49-F238E27FC236}">
-                <a16:creationId xmlns:a16="http://schemas.microsoft.com/office/drawing/2014/main" id="{9A865D65-E338-4A4D-85F9-98A1FF83201C}"/>
+                <a16:creationId xmlns:a16="http://schemas.microsoft.com/office/drawing/2014/main" xmlns="" id="{9A865D65-E338-4A4D-85F9-98A1FF83201C}"/>
               </a:ext>
             </a:extLst>
           </p:cNvPr>
@@ -6933,7 +6936,7 @@
           <a:blip r:embed="rId2">
             <a:extLst>
               <a:ext uri="{96DAC541-7B7A-43D3-8B79-37D633B846F1}">
-                <asvg:svgBlip xmlns:asvg="http://schemas.microsoft.com/office/drawing/2016/SVG/main" xmlns="" r:embed="rId3"/>
+                <asvg:svgBlip xmlns="" xmlns:asvg="http://schemas.microsoft.com/office/drawing/2016/SVG/main" r:embed="rId3"/>
               </a:ext>
             </a:extLst>
           </a:blip>
@@ -6956,7 +6959,7 @@
           <p:cNvPr id="31" name="Graphic 30">
             <a:extLst>
               <a:ext uri="{FF2B5EF4-FFF2-40B4-BE49-F238E27FC236}">
-                <a16:creationId xmlns:a16="http://schemas.microsoft.com/office/drawing/2014/main" id="{99B270E3-BF27-4D44-9301-03D5A11D75C9}"/>
+                <a16:creationId xmlns:a16="http://schemas.microsoft.com/office/drawing/2014/main" xmlns="" id="{99B270E3-BF27-4D44-9301-03D5A11D75C9}"/>
               </a:ext>
             </a:extLst>
           </p:cNvPr>
@@ -6969,7 +6972,7 @@
           <a:blip r:embed="rId4">
             <a:extLst>
               <a:ext uri="{96DAC541-7B7A-43D3-8B79-37D633B846F1}">
-                <asvg:svgBlip xmlns:asvg="http://schemas.microsoft.com/office/drawing/2016/SVG/main" xmlns="" r:embed="rId5"/>
+                <asvg:svgBlip xmlns="" xmlns:asvg="http://schemas.microsoft.com/office/drawing/2016/SVG/main" r:embed="rId5"/>
               </a:ext>
             </a:extLst>
           </a:blip>
@@ -6992,7 +6995,7 @@
           <p:cNvPr id="32" name="Graphic 31">
             <a:extLst>
               <a:ext uri="{FF2B5EF4-FFF2-40B4-BE49-F238E27FC236}">
-                <a16:creationId xmlns:a16="http://schemas.microsoft.com/office/drawing/2014/main" id="{897B35AA-8615-8D46-80F2-2E1D28F2C3DA}"/>
+                <a16:creationId xmlns:a16="http://schemas.microsoft.com/office/drawing/2014/main" xmlns="" id="{897B35AA-8615-8D46-80F2-2E1D28F2C3DA}"/>
               </a:ext>
             </a:extLst>
           </p:cNvPr>
@@ -7005,7 +7008,7 @@
           <a:blip r:embed="rId6">
             <a:extLst>
               <a:ext uri="{96DAC541-7B7A-43D3-8B79-37D633B846F1}">
-                <asvg:svgBlip xmlns:asvg="http://schemas.microsoft.com/office/drawing/2016/SVG/main" xmlns="" r:embed="rId7"/>
+                <asvg:svgBlip xmlns="" xmlns:asvg="http://schemas.microsoft.com/office/drawing/2016/SVG/main" r:embed="rId7"/>
               </a:ext>
             </a:extLst>
           </a:blip>
@@ -7028,7 +7031,7 @@
           <p:cNvPr id="33" name="Graphic 32">
             <a:extLst>
               <a:ext uri="{FF2B5EF4-FFF2-40B4-BE49-F238E27FC236}">
-                <a16:creationId xmlns:a16="http://schemas.microsoft.com/office/drawing/2014/main" id="{A82F2CAC-6FB0-1145-89C2-D787B3F2473D}"/>
+                <a16:creationId xmlns:a16="http://schemas.microsoft.com/office/drawing/2014/main" xmlns="" id="{A82F2CAC-6FB0-1145-89C2-D787B3F2473D}"/>
               </a:ext>
             </a:extLst>
           </p:cNvPr>
@@ -7041,7 +7044,7 @@
           <a:blip r:embed="rId8">
             <a:extLst>
               <a:ext uri="{96DAC541-7B7A-43D3-8B79-37D633B846F1}">
-                <asvg:svgBlip xmlns:asvg="http://schemas.microsoft.com/office/drawing/2016/SVG/main" xmlns="" r:embed="rId9"/>
+                <asvg:svgBlip xmlns="" xmlns:asvg="http://schemas.microsoft.com/office/drawing/2016/SVG/main" r:embed="rId9"/>
               </a:ext>
             </a:extLst>
           </a:blip>
@@ -7086,7 +7089,7 @@
           <p:cNvPr id="15" name="Text Placeholder 14">
             <a:extLst>
               <a:ext uri="{FF2B5EF4-FFF2-40B4-BE49-F238E27FC236}">
-                <a16:creationId xmlns:a16="http://schemas.microsoft.com/office/drawing/2014/main" id="{D2D05145-7BEC-E84A-BA52-93F15E2E64B0}"/>
+                <a16:creationId xmlns:a16="http://schemas.microsoft.com/office/drawing/2014/main" xmlns="" id="{D2D05145-7BEC-E84A-BA52-93F15E2E64B0}"/>
               </a:ext>
             </a:extLst>
           </p:cNvPr>
@@ -7133,7 +7136,7 @@
           <p:cNvPr id="36" name="Text Placeholder 35">
             <a:extLst>
               <a:ext uri="{FF2B5EF4-FFF2-40B4-BE49-F238E27FC236}">
-                <a16:creationId xmlns:a16="http://schemas.microsoft.com/office/drawing/2014/main" id="{764048D8-90C3-4942-95F5-F496DFE73C0F}"/>
+                <a16:creationId xmlns:a16="http://schemas.microsoft.com/office/drawing/2014/main" xmlns="" id="{764048D8-90C3-4942-95F5-F496DFE73C0F}"/>
               </a:ext>
             </a:extLst>
           </p:cNvPr>
@@ -7175,7 +7178,7 @@
           <p:cNvPr id="38" name="Text Placeholder 37">
             <a:extLst>
               <a:ext uri="{FF2B5EF4-FFF2-40B4-BE49-F238E27FC236}">
-                <a16:creationId xmlns:a16="http://schemas.microsoft.com/office/drawing/2014/main" id="{DD756966-9D56-9140-B76B-F243709447E2}"/>
+                <a16:creationId xmlns:a16="http://schemas.microsoft.com/office/drawing/2014/main" xmlns="" id="{DD756966-9D56-9140-B76B-F243709447E2}"/>
               </a:ext>
             </a:extLst>
           </p:cNvPr>
@@ -7217,7 +7220,7 @@
           <p:cNvPr id="40" name="Text Placeholder 39">
             <a:extLst>
               <a:ext uri="{FF2B5EF4-FFF2-40B4-BE49-F238E27FC236}">
-                <a16:creationId xmlns:a16="http://schemas.microsoft.com/office/drawing/2014/main" id="{4B52AC49-CDB4-4545-8D1E-A8EB76C9BA17}"/>
+                <a16:creationId xmlns:a16="http://schemas.microsoft.com/office/drawing/2014/main" xmlns="" id="{4B52AC49-CDB4-4545-8D1E-A8EB76C9BA17}"/>
               </a:ext>
             </a:extLst>
           </p:cNvPr>
@@ -7323,7 +7326,7 @@
           <p:cNvPr id="3" name="Round Diagonal Corner Rectangle 2">
             <a:extLst>
               <a:ext uri="{FF2B5EF4-FFF2-40B4-BE49-F238E27FC236}">
-                <a16:creationId xmlns:a16="http://schemas.microsoft.com/office/drawing/2014/main" id="{E93D834F-ABD4-794F-88C3-312B5ABDA640}"/>
+                <a16:creationId xmlns:a16="http://schemas.microsoft.com/office/drawing/2014/main" xmlns="" id="{E93D834F-ABD4-794F-88C3-312B5ABDA640}"/>
               </a:ext>
             </a:extLst>
           </p:cNvPr>
@@ -7373,7 +7376,7 @@
           <p:cNvPr id="4" name="Round Diagonal Corner Rectangle 3">
             <a:extLst>
               <a:ext uri="{FF2B5EF4-FFF2-40B4-BE49-F238E27FC236}">
-                <a16:creationId xmlns:a16="http://schemas.microsoft.com/office/drawing/2014/main" id="{4AC451E8-1122-6049-A5DD-8F66B7581EC6}"/>
+                <a16:creationId xmlns:a16="http://schemas.microsoft.com/office/drawing/2014/main" xmlns="" id="{4AC451E8-1122-6049-A5DD-8F66B7581EC6}"/>
               </a:ext>
             </a:extLst>
           </p:cNvPr>
@@ -7423,7 +7426,7 @@
           <p:cNvPr id="5" name="Round Diagonal Corner Rectangle 4">
             <a:extLst>
               <a:ext uri="{FF2B5EF4-FFF2-40B4-BE49-F238E27FC236}">
-                <a16:creationId xmlns:a16="http://schemas.microsoft.com/office/drawing/2014/main" id="{4D187377-6E05-5449-81F3-92C698625E28}"/>
+                <a16:creationId xmlns:a16="http://schemas.microsoft.com/office/drawing/2014/main" xmlns="" id="{4D187377-6E05-5449-81F3-92C698625E28}"/>
               </a:ext>
             </a:extLst>
           </p:cNvPr>
@@ -7472,7 +7475,7 @@
           <p:cNvPr id="6" name="Round Diagonal Corner Rectangle 5">
             <a:extLst>
               <a:ext uri="{FF2B5EF4-FFF2-40B4-BE49-F238E27FC236}">
-                <a16:creationId xmlns:a16="http://schemas.microsoft.com/office/drawing/2014/main" id="{FC7961A4-7263-DE49-B4C4-5A10B2C05150}"/>
+                <a16:creationId xmlns:a16="http://schemas.microsoft.com/office/drawing/2014/main" xmlns="" id="{FC7961A4-7263-DE49-B4C4-5A10B2C05150}"/>
               </a:ext>
             </a:extLst>
           </p:cNvPr>
@@ -7522,7 +7525,7 @@
           <p:cNvPr id="7" name="Round Diagonal Corner Rectangle 6">
             <a:extLst>
               <a:ext uri="{FF2B5EF4-FFF2-40B4-BE49-F238E27FC236}">
-                <a16:creationId xmlns:a16="http://schemas.microsoft.com/office/drawing/2014/main" id="{9134F1E3-192C-004E-92F0-C389DD01AAD4}"/>
+                <a16:creationId xmlns:a16="http://schemas.microsoft.com/office/drawing/2014/main" xmlns="" id="{9134F1E3-192C-004E-92F0-C389DD01AAD4}"/>
               </a:ext>
             </a:extLst>
           </p:cNvPr>
@@ -7571,7 +7574,7 @@
           <p:cNvPr id="8" name="Round Diagonal Corner Rectangle 7">
             <a:extLst>
               <a:ext uri="{FF2B5EF4-FFF2-40B4-BE49-F238E27FC236}">
-                <a16:creationId xmlns:a16="http://schemas.microsoft.com/office/drawing/2014/main" id="{4368B054-6186-6444-B3D3-BDE4860BAD3C}"/>
+                <a16:creationId xmlns:a16="http://schemas.microsoft.com/office/drawing/2014/main" xmlns="" id="{4368B054-6186-6444-B3D3-BDE4860BAD3C}"/>
               </a:ext>
             </a:extLst>
           </p:cNvPr>
@@ -7619,7 +7622,7 @@
           <p:cNvPr id="9" name="Round Diagonal Corner Rectangle 8">
             <a:extLst>
               <a:ext uri="{FF2B5EF4-FFF2-40B4-BE49-F238E27FC236}">
-                <a16:creationId xmlns:a16="http://schemas.microsoft.com/office/drawing/2014/main" id="{2176983C-4C90-9540-954A-A82E4A289DEA}"/>
+                <a16:creationId xmlns:a16="http://schemas.microsoft.com/office/drawing/2014/main" xmlns="" id="{2176983C-4C90-9540-954A-A82E4A289DEA}"/>
               </a:ext>
             </a:extLst>
           </p:cNvPr>
@@ -7669,7 +7672,7 @@
           <p:cNvPr id="10" name="Round Diagonal Corner Rectangle 9">
             <a:extLst>
               <a:ext uri="{FF2B5EF4-FFF2-40B4-BE49-F238E27FC236}">
-                <a16:creationId xmlns:a16="http://schemas.microsoft.com/office/drawing/2014/main" id="{94EC2C35-C4D7-0043-A378-AA3AB539819D}"/>
+                <a16:creationId xmlns:a16="http://schemas.microsoft.com/office/drawing/2014/main" xmlns="" id="{94EC2C35-C4D7-0043-A378-AA3AB539819D}"/>
               </a:ext>
             </a:extLst>
           </p:cNvPr>
@@ -7718,7 +7721,7 @@
           <p:cNvPr id="11" name="Round Diagonal Corner Rectangle 10">
             <a:extLst>
               <a:ext uri="{FF2B5EF4-FFF2-40B4-BE49-F238E27FC236}">
-                <a16:creationId xmlns:a16="http://schemas.microsoft.com/office/drawing/2014/main" id="{EC7022F6-D71A-B343-89E2-A17147448F7A}"/>
+                <a16:creationId xmlns:a16="http://schemas.microsoft.com/office/drawing/2014/main" xmlns="" id="{EC7022F6-D71A-B343-89E2-A17147448F7A}"/>
               </a:ext>
             </a:extLst>
           </p:cNvPr>
@@ -7941,7 +7944,7 @@
           <p:cNvPr id="11" name="Picture 10">
             <a:extLst>
               <a:ext uri="{FF2B5EF4-FFF2-40B4-BE49-F238E27FC236}">
-                <a16:creationId xmlns:a16="http://schemas.microsoft.com/office/drawing/2014/main" id="{8CAE20BF-56F8-49D4-B3A5-43A57631A4F1}"/>
+                <a16:creationId xmlns:a16="http://schemas.microsoft.com/office/drawing/2014/main" xmlns="" id="{8CAE20BF-56F8-49D4-B3A5-43A57631A4F1}"/>
               </a:ext>
             </a:extLst>
           </p:cNvPr>
@@ -7977,7 +7980,7 @@
           <p:cNvPr id="12" name="Rectangle 11">
             <a:extLst>
               <a:ext uri="{FF2B5EF4-FFF2-40B4-BE49-F238E27FC236}">
-                <a16:creationId xmlns:a16="http://schemas.microsoft.com/office/drawing/2014/main" id="{03EA129C-C20D-46CC-99AE-6CCBA339B159}"/>
+                <a16:creationId xmlns:a16="http://schemas.microsoft.com/office/drawing/2014/main" xmlns="" id="{03EA129C-C20D-46CC-99AE-6CCBA339B159}"/>
               </a:ext>
             </a:extLst>
           </p:cNvPr>
@@ -8023,7 +8026,7 @@
           <p:cNvPr id="7" name="Picture 6">
             <a:extLst>
               <a:ext uri="{FF2B5EF4-FFF2-40B4-BE49-F238E27FC236}">
-                <a16:creationId xmlns:a16="http://schemas.microsoft.com/office/drawing/2014/main" id="{350B1875-A627-9A4A-9E12-59FB1FA97D4D}"/>
+                <a16:creationId xmlns:a16="http://schemas.microsoft.com/office/drawing/2014/main" xmlns="" id="{350B1875-A627-9A4A-9E12-59FB1FA97D4D}"/>
               </a:ext>
             </a:extLst>
           </p:cNvPr>
@@ -8052,7 +8055,7 @@
           <p:cNvPr id="14" name="Graphic 13">
             <a:extLst>
               <a:ext uri="{FF2B5EF4-FFF2-40B4-BE49-F238E27FC236}">
-                <a16:creationId xmlns:a16="http://schemas.microsoft.com/office/drawing/2014/main" id="{53A3CA15-63B6-C34C-AD8E-D61C3E82F9A0}"/>
+                <a16:creationId xmlns:a16="http://schemas.microsoft.com/office/drawing/2014/main" xmlns="" id="{53A3CA15-63B6-C34C-AD8E-D61C3E82F9A0}"/>
               </a:ext>
             </a:extLst>
           </p:cNvPr>
@@ -8065,7 +8068,7 @@
           <a:blip r:embed="rId23">
             <a:extLst>
               <a:ext uri="{96DAC541-7B7A-43D3-8B79-37D633B846F1}">
-                <asvg:svgBlip xmlns:asvg="http://schemas.microsoft.com/office/drawing/2016/SVG/main" xmlns="" r:embed="rId24"/>
+                <asvg:svgBlip xmlns="" xmlns:asvg="http://schemas.microsoft.com/office/drawing/2016/SVG/main" r:embed="rId24"/>
               </a:ext>
             </a:extLst>
           </a:blip>
@@ -8175,7 +8178,7 @@
           <a:blip r:embed="rId25">
             <a:extLst>
               <a:ext uri="{96DAC541-7B7A-43D3-8B79-37D633B846F1}">
-                <asvg:svgBlip xmlns:asvg="http://schemas.microsoft.com/office/drawing/2016/SVG/main" xmlns="" r:embed="rId26"/>
+                <asvg:svgBlip xmlns="" xmlns:asvg="http://schemas.microsoft.com/office/drawing/2016/SVG/main" r:embed="rId26"/>
               </a:ext>
             </a:extLst>
           </a:blip>
@@ -8202,7 +8205,7 @@
           <a:blip r:embed="rId27">
             <a:extLst>
               <a:ext uri="{96DAC541-7B7A-43D3-8B79-37D633B846F1}">
-                <asvg:svgBlip xmlns:asvg="http://schemas.microsoft.com/office/drawing/2016/SVG/main" xmlns="" r:embed="rId28"/>
+                <asvg:svgBlip xmlns="" xmlns:asvg="http://schemas.microsoft.com/office/drawing/2016/SVG/main" r:embed="rId28"/>
               </a:ext>
             </a:extLst>
           </a:blip>
@@ -8229,7 +8232,7 @@
           <a:blip r:embed="rId29">
             <a:extLst>
               <a:ext uri="{96DAC541-7B7A-43D3-8B79-37D633B846F1}">
-                <asvg:svgBlip xmlns:asvg="http://schemas.microsoft.com/office/drawing/2016/SVG/main" xmlns="" r:embed="rId30"/>
+                <asvg:svgBlip xmlns="" xmlns:asvg="http://schemas.microsoft.com/office/drawing/2016/SVG/main" r:embed="rId30"/>
               </a:ext>
             </a:extLst>
           </a:blip>
@@ -8256,7 +8259,7 @@
           <a:blip r:embed="rId31">
             <a:extLst>
               <a:ext uri="{96DAC541-7B7A-43D3-8B79-37D633B846F1}">
-                <asvg:svgBlip xmlns:asvg="http://schemas.microsoft.com/office/drawing/2016/SVG/main" xmlns="" r:embed="rId32"/>
+                <asvg:svgBlip xmlns="" xmlns:asvg="http://schemas.microsoft.com/office/drawing/2016/SVG/main" r:embed="rId32"/>
               </a:ext>
             </a:extLst>
           </a:blip>
@@ -8590,14 +8593,23 @@
           <a:lstStyle/>
           <a:p>
             <a:r>
-              <a:rPr lang="en-US"/>
-              <a:t>Presenter Name</a:t>
-            </a:r>
-          </a:p>
-          <a:p>
-            <a:r>
-              <a:rPr lang="en-US"/>
-              <a:t>Presenter Title</a:t>
+              <a:rPr lang="en-US" dirty="0" smtClean="0"/>
+              <a:t>Sergiu Enache</a:t>
+            </a:r>
+            <a:endParaRPr lang="en-US" dirty="0"/>
+          </a:p>
+          <a:p>
+            <a:r>
+              <a:rPr lang="en-US" dirty="0" smtClean="0"/>
+              <a:t>Data consistency in </a:t>
+            </a:r>
+            <a:r>
+              <a:rPr lang="en-US" dirty="0" err="1" smtClean="0"/>
+              <a:t>serverless</a:t>
+            </a:r>
+            <a:r>
+              <a:rPr lang="en-US" dirty="0" smtClean="0"/>
+              <a:t> computing</a:t>
             </a:r>
             <a:endParaRPr lang="en-US" dirty="0"/>
           </a:p>
@@ -8662,7 +8674,209 @@
           <a:p>
             <a:r>
               <a:rPr lang="en-GB" dirty="0" smtClean="0"/>
-              <a:t>Tell us about your team</a:t>
+              <a:t>Data consistency options</a:t>
+            </a:r>
+            <a:endParaRPr lang="en-US" dirty="0"/>
+          </a:p>
+        </p:txBody>
+      </p:sp>
+      <p:sp>
+        <p:nvSpPr>
+          <p:cNvPr id="6" name="Content Placeholder 5"/>
+          <p:cNvSpPr>
+            <a:spLocks noGrp="1"/>
+          </p:cNvSpPr>
+          <p:nvPr>
+            <p:ph idx="1"/>
+          </p:nvPr>
+        </p:nvSpPr>
+        <p:spPr>
+          <a:xfrm>
+            <a:off x="2462350" y="1032038"/>
+            <a:ext cx="6106580" cy="3555837"/>
+          </a:xfrm>
+        </p:spPr>
+        <p:txBody>
+          <a:bodyPr/>
+          <a:lstStyle/>
+          <a:p>
+            <a:endParaRPr lang="en-US" dirty="0"/>
+          </a:p>
+          <a:p>
+            <a:pPr lvl="1"/>
+            <a:r>
+              <a:rPr lang="en-GB" dirty="0" smtClean="0"/>
+              <a:t>Traditional ACID transactions</a:t>
+            </a:r>
+          </a:p>
+          <a:p>
+            <a:pPr lvl="2"/>
+            <a:r>
+              <a:rPr lang="en-GB" dirty="0" smtClean="0"/>
+              <a:t>Atomicity, consistency, isolation and durability</a:t>
+            </a:r>
+          </a:p>
+          <a:p>
+            <a:pPr lvl="2"/>
+            <a:r>
+              <a:rPr lang="en-GB" dirty="0" smtClean="0"/>
+              <a:t>Monolithic database which is the single truth</a:t>
+            </a:r>
+          </a:p>
+          <a:p>
+            <a:pPr marL="273830" lvl="2" indent="0">
+              <a:buNone/>
+            </a:pPr>
+            <a:endParaRPr lang="en-GB" dirty="0"/>
+          </a:p>
+          <a:p>
+            <a:pPr lvl="1"/>
+            <a:r>
+              <a:rPr lang="en-GB" dirty="0" smtClean="0"/>
+              <a:t>Two phase commit (anti-pattern)</a:t>
+            </a:r>
+          </a:p>
+          <a:p>
+            <a:pPr lvl="2"/>
+            <a:r>
+              <a:rPr lang="en-GB" dirty="0" smtClean="0"/>
+              <a:t>ACID is mandatory</a:t>
+            </a:r>
+          </a:p>
+          <a:p>
+            <a:pPr lvl="2"/>
+            <a:r>
+              <a:rPr lang="en-GB" dirty="0" smtClean="0"/>
+              <a:t>CAP Theorem: Choosing consistency</a:t>
+            </a:r>
+            <a:endParaRPr lang="en-GB" dirty="0"/>
+          </a:p>
+          <a:p>
+            <a:pPr lvl="1"/>
+            <a:r>
+              <a:rPr lang="en-GB" dirty="0" smtClean="0"/>
+              <a:t>Eventual consistency </a:t>
+            </a:r>
+          </a:p>
+          <a:p>
+            <a:pPr lvl="2"/>
+            <a:r>
+              <a:rPr lang="en-GB" dirty="0"/>
+              <a:t>Compromises </a:t>
+            </a:r>
+            <a:r>
+              <a:rPr lang="en-GB" dirty="0" smtClean="0"/>
+              <a:t>ACID, BASE (Basically Available, Soft state, Eventual consistency)</a:t>
+            </a:r>
+          </a:p>
+          <a:p>
+            <a:pPr lvl="2"/>
+            <a:r>
+              <a:rPr lang="en-GB" dirty="0" smtClean="0"/>
+              <a:t>CAP Theorem: Choosing availability</a:t>
+            </a:r>
+          </a:p>
+          <a:p>
+            <a:pPr lvl="1"/>
+            <a:r>
+              <a:rPr lang="en-GB" dirty="0" smtClean="0"/>
+              <a:t>Saga Pattern</a:t>
+            </a:r>
+          </a:p>
+          <a:p>
+            <a:pPr lvl="2"/>
+            <a:r>
+              <a:rPr lang="en-GB" dirty="0" smtClean="0"/>
+              <a:t>Trading atomicity for availability and consistency</a:t>
+            </a:r>
+            <a:endParaRPr lang="en-GB" dirty="0"/>
+          </a:p>
+        </p:txBody>
+      </p:sp>
+      <p:pic>
+        <p:nvPicPr>
+          <p:cNvPr id="3" name="Picture 2"/>
+          <p:cNvPicPr>
+            <a:picLocks noChangeAspect="1"/>
+          </p:cNvPicPr>
+          <p:nvPr/>
+        </p:nvPicPr>
+        <p:blipFill>
+          <a:blip r:embed="rId2"/>
+          <a:stretch>
+            <a:fillRect/>
+          </a:stretch>
+        </p:blipFill>
+        <p:spPr>
+          <a:xfrm>
+            <a:off x="56063" y="1706892"/>
+            <a:ext cx="2235124" cy="1983365"/>
+          </a:xfrm>
+          <a:prstGeom prst="rect">
+            <a:avLst/>
+          </a:prstGeom>
+        </p:spPr>
+      </p:pic>
+    </p:spTree>
+    <p:extLst>
+      <p:ext uri="{BB962C8B-B14F-4D97-AF65-F5344CB8AC3E}">
+        <p14:creationId xmlns:p14="http://schemas.microsoft.com/office/powerpoint/2010/main" val="1339425840"/>
+      </p:ext>
+    </p:extLst>
+  </p:cSld>
+  <p:clrMapOvr>
+    <a:masterClrMapping/>
+  </p:clrMapOvr>
+  <mc:AlternateContent xmlns:mc="http://schemas.openxmlformats.org/markup-compatibility/2006" xmlns:p14="http://schemas.microsoft.com/office/powerpoint/2010/main">
+    <mc:Choice Requires="p14">
+      <p:transition spd="med" p14:dur="700">
+        <p:fade/>
+      </p:transition>
+    </mc:Choice>
+    <mc:Fallback xmlns="">
+      <p:transition spd="med">
+        <p:fade/>
+      </p:transition>
+    </mc:Fallback>
+  </mc:AlternateContent>
+</p:sld>
+</file>
+
+<file path=ppt/slides/slide3.xml><?xml version="1.0" encoding="utf-8"?>
+<p:sld xmlns:a="http://schemas.openxmlformats.org/drawingml/2006/main" xmlns:r="http://schemas.openxmlformats.org/officeDocument/2006/relationships" xmlns:p="http://schemas.openxmlformats.org/presentationml/2006/main">
+  <p:cSld>
+    <p:spTree>
+      <p:nvGrpSpPr>
+        <p:cNvPr id="1" name=""/>
+        <p:cNvGrpSpPr/>
+        <p:nvPr/>
+      </p:nvGrpSpPr>
+      <p:grpSpPr>
+        <a:xfrm>
+          <a:off x="0" y="0"/>
+          <a:ext cx="0" cy="0"/>
+          <a:chOff x="0" y="0"/>
+          <a:chExt cx="0" cy="0"/>
+        </a:xfrm>
+      </p:grpSpPr>
+      <p:sp>
+        <p:nvSpPr>
+          <p:cNvPr id="2" name="Title 1"/>
+          <p:cNvSpPr>
+            <a:spLocks noGrp="1"/>
+          </p:cNvSpPr>
+          <p:nvPr>
+            <p:ph type="title"/>
+          </p:nvPr>
+        </p:nvSpPr>
+        <p:spPr/>
+        <p:txBody>
+          <a:bodyPr/>
+          <a:lstStyle/>
+          <a:p>
+            <a:r>
+              <a:rPr lang="en-GB" dirty="0" smtClean="0"/>
+              <a:t>Eventual consistency</a:t>
             </a:r>
             <a:endParaRPr lang="en-US" dirty="0"/>
           </a:p>
@@ -8683,6 +8897,338 @@
           <a:bodyPr/>
           <a:lstStyle/>
           <a:p>
+            <a:endParaRPr lang="en-US" dirty="0"/>
+          </a:p>
+          <a:p>
+            <a:pPr lvl="1"/>
+            <a:r>
+              <a:rPr lang="en-GB" dirty="0" smtClean="0"/>
+              <a:t>Availability over consistency</a:t>
+            </a:r>
+          </a:p>
+          <a:p>
+            <a:pPr lvl="2"/>
+            <a:r>
+              <a:rPr lang="en-GB" dirty="0" smtClean="0"/>
+              <a:t>Avoid resource locking</a:t>
+            </a:r>
+          </a:p>
+          <a:p>
+            <a:pPr lvl="2"/>
+            <a:r>
+              <a:rPr lang="en-GB" dirty="0" smtClean="0"/>
+              <a:t>Ideal for long running transactions</a:t>
+            </a:r>
+          </a:p>
+          <a:p>
+            <a:pPr lvl="2"/>
+            <a:r>
+              <a:rPr lang="en-GB" dirty="0" smtClean="0"/>
+              <a:t>Race conditions</a:t>
+            </a:r>
+          </a:p>
+          <a:p>
+            <a:pPr lvl="1"/>
+            <a:r>
+              <a:rPr lang="en-GB" dirty="0" smtClean="0"/>
+              <a:t>Data replication</a:t>
+            </a:r>
+          </a:p>
+          <a:p>
+            <a:pPr lvl="1"/>
+            <a:r>
+              <a:rPr lang="en-GB" dirty="0" smtClean="0"/>
+              <a:t>Event based</a:t>
+            </a:r>
+          </a:p>
+          <a:p>
+            <a:pPr lvl="2"/>
+            <a:r>
+              <a:rPr lang="en-GB" dirty="0" smtClean="0"/>
+              <a:t>Actions raised as events</a:t>
+            </a:r>
+          </a:p>
+          <a:p>
+            <a:pPr lvl="2"/>
+            <a:r>
+              <a:rPr lang="en-GB" dirty="0" smtClean="0"/>
+              <a:t>Messages using message brokers</a:t>
+            </a:r>
+          </a:p>
+          <a:p>
+            <a:pPr lvl="2"/>
+            <a:endParaRPr lang="en-GB" dirty="0"/>
+          </a:p>
+        </p:txBody>
+      </p:sp>
+    </p:spTree>
+    <p:extLst>
+      <p:ext uri="{BB962C8B-B14F-4D97-AF65-F5344CB8AC3E}">
+        <p14:creationId xmlns:p14="http://schemas.microsoft.com/office/powerpoint/2010/main" val="1323766510"/>
+      </p:ext>
+    </p:extLst>
+  </p:cSld>
+  <p:clrMapOvr>
+    <a:masterClrMapping/>
+  </p:clrMapOvr>
+  <mc:AlternateContent xmlns:mc="http://schemas.openxmlformats.org/markup-compatibility/2006" xmlns:p14="http://schemas.microsoft.com/office/powerpoint/2010/main">
+    <mc:Choice Requires="p14">
+      <p:transition spd="med" p14:dur="700">
+        <p:fade/>
+      </p:transition>
+    </mc:Choice>
+    <mc:Fallback xmlns="">
+      <p:transition spd="med">
+        <p:fade/>
+      </p:transition>
+    </mc:Fallback>
+  </mc:AlternateContent>
+</p:sld>
+</file>
+
+<file path=ppt/slides/slide4.xml><?xml version="1.0" encoding="utf-8"?>
+<p:sld xmlns:a="http://schemas.openxmlformats.org/drawingml/2006/main" xmlns:r="http://schemas.openxmlformats.org/officeDocument/2006/relationships" xmlns:p="http://schemas.openxmlformats.org/presentationml/2006/main">
+  <p:cSld>
+    <p:spTree>
+      <p:nvGrpSpPr>
+        <p:cNvPr id="1" name=""/>
+        <p:cNvGrpSpPr/>
+        <p:nvPr/>
+      </p:nvGrpSpPr>
+      <p:grpSpPr>
+        <a:xfrm>
+          <a:off x="0" y="0"/>
+          <a:ext cx="0" cy="0"/>
+          <a:chOff x="0" y="0"/>
+          <a:chExt cx="0" cy="0"/>
+        </a:xfrm>
+      </p:grpSpPr>
+      <p:sp>
+        <p:nvSpPr>
+          <p:cNvPr id="2" name="Title 1"/>
+          <p:cNvSpPr>
+            <a:spLocks noGrp="1"/>
+          </p:cNvSpPr>
+          <p:nvPr>
+            <p:ph type="title"/>
+          </p:nvPr>
+        </p:nvSpPr>
+        <p:spPr/>
+        <p:txBody>
+          <a:bodyPr/>
+          <a:lstStyle/>
+          <a:p>
+            <a:r>
+              <a:rPr lang="en-GB" dirty="0" smtClean="0"/>
+              <a:t>Saga Pattern</a:t>
+            </a:r>
+            <a:endParaRPr lang="en-US" dirty="0"/>
+          </a:p>
+        </p:txBody>
+      </p:sp>
+      <p:sp>
+        <p:nvSpPr>
+          <p:cNvPr id="6" name="Content Placeholder 5"/>
+          <p:cNvSpPr>
+            <a:spLocks noGrp="1"/>
+          </p:cNvSpPr>
+          <p:nvPr>
+            <p:ph idx="1"/>
+          </p:nvPr>
+        </p:nvSpPr>
+        <p:spPr>
+          <a:xfrm>
+            <a:off x="575074" y="1032038"/>
+            <a:ext cx="4277777" cy="3555837"/>
+          </a:xfrm>
+        </p:spPr>
+        <p:txBody>
+          <a:bodyPr/>
+          <a:lstStyle/>
+          <a:p>
+            <a:endParaRPr lang="en-US" dirty="0"/>
+          </a:p>
+          <a:p>
+            <a:pPr lvl="1"/>
+            <a:r>
+              <a:rPr lang="en-GB" dirty="0" smtClean="0"/>
+              <a:t>Trading atomicity for availability and consistency</a:t>
+            </a:r>
+          </a:p>
+          <a:p>
+            <a:pPr lvl="2"/>
+            <a:r>
+              <a:rPr lang="en-GB" dirty="0" smtClean="0"/>
+              <a:t>Transaction split into many requests </a:t>
+            </a:r>
+          </a:p>
+          <a:p>
+            <a:pPr lvl="2"/>
+            <a:r>
+              <a:rPr lang="en-GB" dirty="0" smtClean="0"/>
+              <a:t>Track each request</a:t>
+            </a:r>
+          </a:p>
+          <a:p>
+            <a:pPr lvl="2"/>
+            <a:r>
+              <a:rPr lang="en-GB" dirty="0" smtClean="0"/>
+              <a:t>First described in 1987</a:t>
+            </a:r>
+          </a:p>
+          <a:p>
+            <a:pPr lvl="1"/>
+            <a:r>
+              <a:rPr lang="en-GB" dirty="0" smtClean="0"/>
+              <a:t>Failure management pattern</a:t>
+            </a:r>
+          </a:p>
+          <a:p>
+            <a:pPr lvl="2"/>
+            <a:r>
+              <a:rPr lang="en-GB" dirty="0" smtClean="0"/>
+              <a:t>Compensate requests when one service fails</a:t>
+            </a:r>
+            <a:endParaRPr lang="en-GB" dirty="0" smtClean="0"/>
+          </a:p>
+          <a:p>
+            <a:pPr lvl="1"/>
+            <a:r>
+              <a:rPr lang="en-GB" dirty="0" smtClean="0"/>
+              <a:t>Implementation</a:t>
+            </a:r>
+          </a:p>
+          <a:p>
+            <a:pPr lvl="2"/>
+            <a:r>
+              <a:rPr lang="en-GB" dirty="0" smtClean="0"/>
+              <a:t>Saga log</a:t>
+            </a:r>
+          </a:p>
+          <a:p>
+            <a:pPr lvl="2"/>
+            <a:r>
+              <a:rPr lang="en-GB" dirty="0" smtClean="0"/>
+              <a:t>Saga execution coordinator (SEC)</a:t>
+            </a:r>
+          </a:p>
+          <a:p>
+            <a:pPr lvl="2"/>
+            <a:r>
+              <a:rPr lang="en-GB" dirty="0" smtClean="0"/>
+              <a:t>Requests and compensation requests</a:t>
+            </a:r>
+          </a:p>
+          <a:p>
+            <a:pPr lvl="2"/>
+            <a:endParaRPr lang="en-GB" dirty="0"/>
+          </a:p>
+        </p:txBody>
+      </p:sp>
+      <p:pic>
+        <p:nvPicPr>
+          <p:cNvPr id="3" name="Picture 2"/>
+          <p:cNvPicPr>
+            <a:picLocks noChangeAspect="1"/>
+          </p:cNvPicPr>
+          <p:nvPr/>
+        </p:nvPicPr>
+        <p:blipFill>
+          <a:blip r:embed="rId2"/>
+          <a:stretch>
+            <a:fillRect/>
+          </a:stretch>
+        </p:blipFill>
+        <p:spPr>
+          <a:xfrm>
+            <a:off x="4412932" y="1771378"/>
+            <a:ext cx="4600439" cy="2302897"/>
+          </a:xfrm>
+          <a:prstGeom prst="rect">
+            <a:avLst/>
+          </a:prstGeom>
+        </p:spPr>
+      </p:pic>
+    </p:spTree>
+    <p:extLst>
+      <p:ext uri="{BB962C8B-B14F-4D97-AF65-F5344CB8AC3E}">
+        <p14:creationId xmlns:p14="http://schemas.microsoft.com/office/powerpoint/2010/main" val="2841153314"/>
+      </p:ext>
+    </p:extLst>
+  </p:cSld>
+  <p:clrMapOvr>
+    <a:masterClrMapping/>
+  </p:clrMapOvr>
+  <mc:AlternateContent xmlns:mc="http://schemas.openxmlformats.org/markup-compatibility/2006" xmlns:p14="http://schemas.microsoft.com/office/powerpoint/2010/main">
+    <mc:Choice Requires="p14">
+      <p:transition spd="med" p14:dur="700">
+        <p:fade/>
+      </p:transition>
+    </mc:Choice>
+    <mc:Fallback xmlns="">
+      <p:transition spd="med">
+        <p:fade/>
+      </p:transition>
+    </mc:Fallback>
+  </mc:AlternateContent>
+</p:sld>
+</file>
+
+<file path=ppt/slides/slide5.xml><?xml version="1.0" encoding="utf-8"?>
+<p:sld xmlns:a="http://schemas.openxmlformats.org/drawingml/2006/main" xmlns:r="http://schemas.openxmlformats.org/officeDocument/2006/relationships" xmlns:p="http://schemas.openxmlformats.org/presentationml/2006/main">
+  <p:cSld>
+    <p:spTree>
+      <p:nvGrpSpPr>
+        <p:cNvPr id="1" name=""/>
+        <p:cNvGrpSpPr/>
+        <p:nvPr/>
+      </p:nvGrpSpPr>
+      <p:grpSpPr>
+        <a:xfrm>
+          <a:off x="0" y="0"/>
+          <a:ext cx="0" cy="0"/>
+          <a:chOff x="0" y="0"/>
+          <a:chExt cx="0" cy="0"/>
+        </a:xfrm>
+      </p:grpSpPr>
+      <p:sp>
+        <p:nvSpPr>
+          <p:cNvPr id="2" name="Title 1"/>
+          <p:cNvSpPr>
+            <a:spLocks noGrp="1"/>
+          </p:cNvSpPr>
+          <p:nvPr>
+            <p:ph type="title"/>
+          </p:nvPr>
+        </p:nvSpPr>
+        <p:spPr/>
+        <p:txBody>
+          <a:bodyPr/>
+          <a:lstStyle/>
+          <a:p>
+            <a:r>
+              <a:rPr lang="en-GB" dirty="0" smtClean="0"/>
+              <a:t>Tell us about your team</a:t>
+            </a:r>
+            <a:endParaRPr lang="en-US" dirty="0"/>
+          </a:p>
+        </p:txBody>
+      </p:sp>
+      <p:sp>
+        <p:nvSpPr>
+          <p:cNvPr id="6" name="Content Placeholder 5"/>
+          <p:cNvSpPr>
+            <a:spLocks noGrp="1"/>
+          </p:cNvSpPr>
+          <p:nvPr>
+            <p:ph idx="1"/>
+          </p:nvPr>
+        </p:nvSpPr>
+        <p:spPr/>
+        <p:txBody>
+          <a:bodyPr/>
+          <a:lstStyle/>
+          <a:p>
             <a:r>
               <a:rPr lang="en-US" dirty="0" smtClean="0"/>
               <a:t>&lt;Team name&gt;</a:t>
@@ -8729,14 +9275,14 @@
           <p:nvPr>
             <p:extLst>
               <p:ext uri="{D42A27DB-BD31-4B8C-83A1-F6EECF244321}">
-                <p14:modId xmlns:p14="http://schemas.microsoft.com/office/powerpoint/2010/main" val="2275974354"/>
+                <p14:modId xmlns:p14="http://schemas.microsoft.com/office/powerpoint/2010/main" val="3714888957"/>
               </p:ext>
             </p:extLst>
           </p:nvPr>
         </p:nvGraphicFramePr>
         <p:xfrm>
           <a:off x="879315" y="2362835"/>
-          <a:ext cx="6096000" cy="2225040"/>
+          <a:ext cx="6096000" cy="2357120"/>
         </p:xfrm>
         <a:graphic>
           <a:graphicData uri="http://schemas.openxmlformats.org/drawingml/2006/table">
@@ -8748,21 +9294,21 @@
                 <a:gridCol w="2032000">
                   <a:extLst>
                     <a:ext uri="{9D8B030D-6E8A-4147-A177-3AD203B41FA5}">
-                      <a16:colId xmlns:a16="http://schemas.microsoft.com/office/drawing/2014/main" val="4001979528"/>
+                      <a16:colId xmlns:a16="http://schemas.microsoft.com/office/drawing/2014/main" xmlns="" val="4001979528"/>
                     </a:ext>
                   </a:extLst>
                 </a:gridCol>
                 <a:gridCol w="2032000">
                   <a:extLst>
                     <a:ext uri="{9D8B030D-6E8A-4147-A177-3AD203B41FA5}">
-                      <a16:colId xmlns:a16="http://schemas.microsoft.com/office/drawing/2014/main" val="272861669"/>
+                      <a16:colId xmlns:a16="http://schemas.microsoft.com/office/drawing/2014/main" xmlns="" val="272861669"/>
                     </a:ext>
                   </a:extLst>
                 </a:gridCol>
                 <a:gridCol w="2032000">
                   <a:extLst>
                     <a:ext uri="{9D8B030D-6E8A-4147-A177-3AD203B41FA5}">
-                      <a16:colId xmlns:a16="http://schemas.microsoft.com/office/drawing/2014/main" val="1573945335"/>
+                      <a16:colId xmlns:a16="http://schemas.microsoft.com/office/drawing/2014/main" xmlns="" val="1573945335"/>
                     </a:ext>
                   </a:extLst>
                 </a:gridCol>
@@ -8812,7 +9358,60 @@
                 </a:tc>
                 <a:extLst>
                   <a:ext uri="{0D108BD9-81ED-4DB2-BD59-A6C34878D82A}">
-                    <a16:rowId xmlns:a16="http://schemas.microsoft.com/office/drawing/2014/main" val="2217962174"/>
+                    <a16:rowId xmlns:a16="http://schemas.microsoft.com/office/drawing/2014/main" xmlns="" val="2217962174"/>
+                  </a:ext>
+                </a:extLst>
+              </a:tr>
+              <a:tr h="370840">
+                <a:tc>
+                  <a:txBody>
+                    <a:bodyPr/>
+                    <a:lstStyle/>
+                    <a:p>
+                      <a:r>
+                        <a:rPr lang="en-GB" dirty="0" smtClean="0"/>
+                        <a:t>Sergiu Enache</a:t>
+                      </a:r>
+                      <a:endParaRPr lang="en-GB" dirty="0"/>
+                    </a:p>
+                  </a:txBody>
+                  <a:tcPr/>
+                </a:tc>
+                <a:tc>
+                  <a:txBody>
+                    <a:bodyPr/>
+                    <a:lstStyle/>
+                    <a:p>
+                      <a:r>
+                        <a:rPr lang="en-GB" dirty="0" smtClean="0"/>
+                        <a:t>Developer</a:t>
+                      </a:r>
+                      <a:endParaRPr lang="en-GB" dirty="0"/>
+                    </a:p>
+                  </a:txBody>
+                  <a:tcPr/>
+                </a:tc>
+                <a:tc>
+                  <a:txBody>
+                    <a:bodyPr/>
+                    <a:lstStyle/>
+                    <a:p>
+                      <a:r>
+                        <a:rPr lang="en-GB" dirty="0" smtClean="0"/>
+                        <a:t>Open Integration</a:t>
+                      </a:r>
+                      <a:r>
+                        <a:rPr lang="en-GB" baseline="0" dirty="0" smtClean="0"/>
+                        <a:t> project (WKUK)</a:t>
+                      </a:r>
+                      <a:endParaRPr lang="en-GB" dirty="0"/>
+                    </a:p>
+                  </a:txBody>
+                  <a:tcPr/>
+                </a:tc>
+                <a:extLst>
+                  <a:ext uri="{0D108BD9-81ED-4DB2-BD59-A6C34878D82A}">
+                    <a16:rowId xmlns:a16="http://schemas.microsoft.com/office/drawing/2014/main" xmlns="" val="416928465"/>
                   </a:ext>
                 </a:extLst>
               </a:tr>
@@ -8849,7 +9448,7 @@
                 </a:tc>
                 <a:extLst>
                   <a:ext uri="{0D108BD9-81ED-4DB2-BD59-A6C34878D82A}">
-                    <a16:rowId xmlns:a16="http://schemas.microsoft.com/office/drawing/2014/main" val="416928465"/>
+                    <a16:rowId xmlns:a16="http://schemas.microsoft.com/office/drawing/2014/main" xmlns="" val="3093368182"/>
                   </a:ext>
                 </a:extLst>
               </a:tr>
@@ -8886,7 +9485,7 @@
                 </a:tc>
                 <a:extLst>
                   <a:ext uri="{0D108BD9-81ED-4DB2-BD59-A6C34878D82A}">
-                    <a16:rowId xmlns:a16="http://schemas.microsoft.com/office/drawing/2014/main" val="3093368182"/>
+                    <a16:rowId xmlns:a16="http://schemas.microsoft.com/office/drawing/2014/main" xmlns="" val="1049396310"/>
                   </a:ext>
                 </a:extLst>
               </a:tr>
@@ -8923,44 +9522,7 @@
                 </a:tc>
                 <a:extLst>
                   <a:ext uri="{0D108BD9-81ED-4DB2-BD59-A6C34878D82A}">
-                    <a16:rowId xmlns:a16="http://schemas.microsoft.com/office/drawing/2014/main" val="1049396310"/>
-                  </a:ext>
-                </a:extLst>
-              </a:tr>
-              <a:tr h="370840">
-                <a:tc>
-                  <a:txBody>
-                    <a:bodyPr/>
-                    <a:lstStyle/>
-                    <a:p>
-                      <a:endParaRPr lang="en-GB"/>
-                    </a:p>
-                  </a:txBody>
-                  <a:tcPr/>
-                </a:tc>
-                <a:tc>
-                  <a:txBody>
-                    <a:bodyPr/>
-                    <a:lstStyle/>
-                    <a:p>
-                      <a:endParaRPr lang="en-GB"/>
-                    </a:p>
-                  </a:txBody>
-                  <a:tcPr/>
-                </a:tc>
-                <a:tc>
-                  <a:txBody>
-                    <a:bodyPr/>
-                    <a:lstStyle/>
-                    <a:p>
-                      <a:endParaRPr lang="en-GB"/>
-                    </a:p>
-                  </a:txBody>
-                  <a:tcPr/>
-                </a:tc>
-                <a:extLst>
-                  <a:ext uri="{0D108BD9-81ED-4DB2-BD59-A6C34878D82A}">
-                    <a16:rowId xmlns:a16="http://schemas.microsoft.com/office/drawing/2014/main" val="3666640422"/>
+                    <a16:rowId xmlns:a16="http://schemas.microsoft.com/office/drawing/2014/main" xmlns="" val="3666640422"/>
                   </a:ext>
                 </a:extLst>
               </a:tr>
@@ -8997,7 +9559,7 @@
                 </a:tc>
                 <a:extLst>
                   <a:ext uri="{0D108BD9-81ED-4DB2-BD59-A6C34878D82A}">
-                    <a16:rowId xmlns:a16="http://schemas.microsoft.com/office/drawing/2014/main" val="1826840652"/>
+                    <a16:rowId xmlns:a16="http://schemas.microsoft.com/office/drawing/2014/main" xmlns="" val="1826840652"/>
                   </a:ext>
                 </a:extLst>
               </a:tr>
@@ -9030,7 +9592,7 @@
 </p:sld>
 </file>
 
-<file path=ppt/slides/slide3.xml><?xml version="1.0" encoding="utf-8"?>
+<file path=ppt/slides/slide6.xml><?xml version="1.0" encoding="utf-8"?>
 <p:sld xmlns:a="http://schemas.openxmlformats.org/drawingml/2006/main" xmlns:r="http://schemas.openxmlformats.org/officeDocument/2006/relationships" xmlns:p="http://schemas.openxmlformats.org/presentationml/2006/main">
   <p:cSld>
     <p:spTree>

--- a/docs/freedom friday.pptx
+++ b/docs/freedom friday.pptx
@@ -5,15 +5,16 @@
     <p:sldMasterId id="2147483672" r:id="rId1"/>
   </p:sldMasterIdLst>
   <p:notesMasterIdLst>
-    <p:notesMasterId r:id="rId8"/>
+    <p:notesMasterId r:id="rId9"/>
   </p:notesMasterIdLst>
   <p:sldIdLst>
     <p:sldId id="257" r:id="rId2"/>
     <p:sldId id="290" r:id="rId3"/>
     <p:sldId id="291" r:id="rId4"/>
     <p:sldId id="292" r:id="rId5"/>
-    <p:sldId id="288" r:id="rId6"/>
-    <p:sldId id="289" r:id="rId7"/>
+    <p:sldId id="293" r:id="rId6"/>
+    <p:sldId id="288" r:id="rId7"/>
+    <p:sldId id="289" r:id="rId8"/>
   </p:sldIdLst>
   <p:sldSz cx="9144000" cy="5143500" type="screen16x9"/>
   <p:notesSz cx="6858000" cy="9144000"/>
@@ -202,7 +203,7 @@
           <a:p>
             <a:fld id="{8ED124E6-95B4-4D45-BE81-E9FE29BE3191}" type="datetimeFigureOut">
               <a:rPr lang="en-US" smtClean="0"/>
-              <a:t>9/27/2018</a:t>
+              <a:t>9/30/2018</a:t>
             </a:fld>
             <a:endParaRPr lang="en-US"/>
           </a:p>
@@ -642,7 +643,7 @@
           <p:cNvPr id="4" name="Picture 3">
             <a:extLst>
               <a:ext uri="{FF2B5EF4-FFF2-40B4-BE49-F238E27FC236}">
-                <a16:creationId xmlns:a16="http://schemas.microsoft.com/office/drawing/2014/main" xmlns="" id="{1DBC7A36-A06D-4669-A133-FAA691C96799}"/>
+                <a16:creationId xmlns:a16="http://schemas.microsoft.com/office/drawing/2014/main" id="{1DBC7A36-A06D-4669-A133-FAA691C96799}"/>
               </a:ext>
             </a:extLst>
           </p:cNvPr>
@@ -678,7 +679,7 @@
           <p:cNvPr id="6" name="Rectangle 5">
             <a:extLst>
               <a:ext uri="{FF2B5EF4-FFF2-40B4-BE49-F238E27FC236}">
-                <a16:creationId xmlns:a16="http://schemas.microsoft.com/office/drawing/2014/main" xmlns="" id="{87BA0CC6-EB26-42C8-B5FE-9378D0691855}"/>
+                <a16:creationId xmlns:a16="http://schemas.microsoft.com/office/drawing/2014/main" id="{87BA0CC6-EB26-42C8-B5FE-9378D0691855}"/>
               </a:ext>
             </a:extLst>
           </p:cNvPr>
@@ -724,7 +725,7 @@
           <p:cNvPr id="8" name="Picture 7">
             <a:extLst>
               <a:ext uri="{FF2B5EF4-FFF2-40B4-BE49-F238E27FC236}">
-                <a16:creationId xmlns:a16="http://schemas.microsoft.com/office/drawing/2014/main" xmlns="" id="{2BC1090D-3F0A-8F4B-9195-351764651779}"/>
+                <a16:creationId xmlns:a16="http://schemas.microsoft.com/office/drawing/2014/main" id="{2BC1090D-3F0A-8F4B-9195-351764651779}"/>
               </a:ext>
             </a:extLst>
           </p:cNvPr>
@@ -754,7 +755,7 @@
           <p:cNvPr id="7" name="Graphic 6">
             <a:extLst>
               <a:ext uri="{FF2B5EF4-FFF2-40B4-BE49-F238E27FC236}">
-                <a16:creationId xmlns:a16="http://schemas.microsoft.com/office/drawing/2014/main" xmlns="" id="{C009C431-52C6-E249-B511-01EC98CD76FA}"/>
+                <a16:creationId xmlns:a16="http://schemas.microsoft.com/office/drawing/2014/main" id="{C009C431-52C6-E249-B511-01EC98CD76FA}"/>
               </a:ext>
             </a:extLst>
           </p:cNvPr>
@@ -767,7 +768,7 @@
           <a:blip r:embed="rId4">
             <a:extLst>
               <a:ext uri="{96DAC541-7B7A-43D3-8B79-37D633B846F1}">
-                <asvg:svgBlip xmlns="" xmlns:asvg="http://schemas.microsoft.com/office/drawing/2016/SVG/main" r:embed="rId5"/>
+                <asvg:svgBlip xmlns:asvg="http://schemas.microsoft.com/office/drawing/2016/SVG/main" r:embed="rId5"/>
               </a:ext>
             </a:extLst>
           </a:blip>
@@ -1149,7 +1150,7 @@
           <p:cNvPr id="4" name="Graphic 3">
             <a:extLst>
               <a:ext uri="{FF2B5EF4-FFF2-40B4-BE49-F238E27FC236}">
-                <a16:creationId xmlns:a16="http://schemas.microsoft.com/office/drawing/2014/main" xmlns="" id="{6B458DEA-7E7A-4E91-BD4D-BAA3C87E8FC5}"/>
+                <a16:creationId xmlns:a16="http://schemas.microsoft.com/office/drawing/2014/main" id="{6B458DEA-7E7A-4E91-BD4D-BAA3C87E8FC5}"/>
               </a:ext>
             </a:extLst>
           </p:cNvPr>
@@ -1162,7 +1163,7 @@
           <a:blip r:embed="rId3">
             <a:extLst>
               <a:ext uri="{96DAC541-7B7A-43D3-8B79-37D633B846F1}">
-                <asvg:svgBlip xmlns="" xmlns:asvg="http://schemas.microsoft.com/office/drawing/2016/SVG/main" r:embed="rId4"/>
+                <asvg:svgBlip xmlns:asvg="http://schemas.microsoft.com/office/drawing/2016/SVG/main" r:embed="rId4"/>
               </a:ext>
             </a:extLst>
           </a:blip>
@@ -1485,7 +1486,7 @@
           <p:cNvPr id="12" name="Picture 11">
             <a:extLst>
               <a:ext uri="{FF2B5EF4-FFF2-40B4-BE49-F238E27FC236}">
-                <a16:creationId xmlns:a16="http://schemas.microsoft.com/office/drawing/2014/main" xmlns="" id="{88E09DB6-E1C8-425E-B164-CEC8F19F0C1E}"/>
+                <a16:creationId xmlns:a16="http://schemas.microsoft.com/office/drawing/2014/main" id="{88E09DB6-E1C8-425E-B164-CEC8F19F0C1E}"/>
               </a:ext>
             </a:extLst>
           </p:cNvPr>
@@ -1521,7 +1522,7 @@
           <p:cNvPr id="14" name="Rectangle 13">
             <a:extLst>
               <a:ext uri="{FF2B5EF4-FFF2-40B4-BE49-F238E27FC236}">
-                <a16:creationId xmlns:a16="http://schemas.microsoft.com/office/drawing/2014/main" xmlns="" id="{43F9D502-E303-4D25-88FC-76B7445FA7B4}"/>
+                <a16:creationId xmlns:a16="http://schemas.microsoft.com/office/drawing/2014/main" id="{43F9D502-E303-4D25-88FC-76B7445FA7B4}"/>
               </a:ext>
             </a:extLst>
           </p:cNvPr>
@@ -1567,7 +1568,7 @@
           <p:cNvPr id="15" name="Graphic 14">
             <a:extLst>
               <a:ext uri="{FF2B5EF4-FFF2-40B4-BE49-F238E27FC236}">
-                <a16:creationId xmlns:a16="http://schemas.microsoft.com/office/drawing/2014/main" xmlns="" id="{D9D6CE08-C536-419D-81BD-98E652B995ED}"/>
+                <a16:creationId xmlns:a16="http://schemas.microsoft.com/office/drawing/2014/main" id="{D9D6CE08-C536-419D-81BD-98E652B995ED}"/>
               </a:ext>
             </a:extLst>
           </p:cNvPr>
@@ -1580,7 +1581,7 @@
           <a:blip r:embed="rId3">
             <a:extLst>
               <a:ext uri="{96DAC541-7B7A-43D3-8B79-37D633B846F1}">
-                <asvg:svgBlip xmlns="" xmlns:asvg="http://schemas.microsoft.com/office/drawing/2016/SVG/main" r:embed="rId4"/>
+                <asvg:svgBlip xmlns:asvg="http://schemas.microsoft.com/office/drawing/2016/SVG/main" r:embed="rId4"/>
               </a:ext>
             </a:extLst>
           </a:blip>
@@ -1900,7 +1901,7 @@
           <p:cNvPr id="12" name="Picture 11">
             <a:extLst>
               <a:ext uri="{FF2B5EF4-FFF2-40B4-BE49-F238E27FC236}">
-                <a16:creationId xmlns:a16="http://schemas.microsoft.com/office/drawing/2014/main" xmlns="" id="{00EA963C-D631-4097-8F1D-B659DE021C43}"/>
+                <a16:creationId xmlns:a16="http://schemas.microsoft.com/office/drawing/2014/main" id="{00EA963C-D631-4097-8F1D-B659DE021C43}"/>
               </a:ext>
             </a:extLst>
           </p:cNvPr>
@@ -1936,7 +1937,7 @@
           <p:cNvPr id="14" name="Rectangle 13">
             <a:extLst>
               <a:ext uri="{FF2B5EF4-FFF2-40B4-BE49-F238E27FC236}">
-                <a16:creationId xmlns:a16="http://schemas.microsoft.com/office/drawing/2014/main" xmlns="" id="{8033E927-0C65-455B-8541-4C81DABC4D10}"/>
+                <a16:creationId xmlns:a16="http://schemas.microsoft.com/office/drawing/2014/main" id="{8033E927-0C65-455B-8541-4C81DABC4D10}"/>
               </a:ext>
             </a:extLst>
           </p:cNvPr>
@@ -1982,7 +1983,7 @@
           <p:cNvPr id="15" name="Graphic 14">
             <a:extLst>
               <a:ext uri="{FF2B5EF4-FFF2-40B4-BE49-F238E27FC236}">
-                <a16:creationId xmlns:a16="http://schemas.microsoft.com/office/drawing/2014/main" xmlns="" id="{968B3F1F-5B45-408F-AC31-FBE83F9AB823}"/>
+                <a16:creationId xmlns:a16="http://schemas.microsoft.com/office/drawing/2014/main" id="{968B3F1F-5B45-408F-AC31-FBE83F9AB823}"/>
               </a:ext>
             </a:extLst>
           </p:cNvPr>
@@ -1995,7 +1996,7 @@
           <a:blip r:embed="rId3">
             <a:extLst>
               <a:ext uri="{96DAC541-7B7A-43D3-8B79-37D633B846F1}">
-                <asvg:svgBlip xmlns="" xmlns:asvg="http://schemas.microsoft.com/office/drawing/2016/SVG/main" r:embed="rId4"/>
+                <asvg:svgBlip xmlns:asvg="http://schemas.microsoft.com/office/drawing/2016/SVG/main" r:embed="rId4"/>
               </a:ext>
             </a:extLst>
           </a:blip>
@@ -2315,7 +2316,7 @@
           <p:cNvPr id="12" name="Picture 11">
             <a:extLst>
               <a:ext uri="{FF2B5EF4-FFF2-40B4-BE49-F238E27FC236}">
-                <a16:creationId xmlns:a16="http://schemas.microsoft.com/office/drawing/2014/main" xmlns="" id="{AC5A9599-7831-4D40-B109-3F5FE2D9E8E6}"/>
+                <a16:creationId xmlns:a16="http://schemas.microsoft.com/office/drawing/2014/main" id="{AC5A9599-7831-4D40-B109-3F5FE2D9E8E6}"/>
               </a:ext>
             </a:extLst>
           </p:cNvPr>
@@ -2351,7 +2352,7 @@
           <p:cNvPr id="14" name="Rectangle 13">
             <a:extLst>
               <a:ext uri="{FF2B5EF4-FFF2-40B4-BE49-F238E27FC236}">
-                <a16:creationId xmlns:a16="http://schemas.microsoft.com/office/drawing/2014/main" xmlns="" id="{185922D7-6190-42AF-BD36-90B261CE4EC8}"/>
+                <a16:creationId xmlns:a16="http://schemas.microsoft.com/office/drawing/2014/main" id="{185922D7-6190-42AF-BD36-90B261CE4EC8}"/>
               </a:ext>
             </a:extLst>
           </p:cNvPr>
@@ -2397,7 +2398,7 @@
           <p:cNvPr id="15" name="Graphic 14">
             <a:extLst>
               <a:ext uri="{FF2B5EF4-FFF2-40B4-BE49-F238E27FC236}">
-                <a16:creationId xmlns:a16="http://schemas.microsoft.com/office/drawing/2014/main" xmlns="" id="{48AC55AE-B677-46C7-AF18-B7116479F0D0}"/>
+                <a16:creationId xmlns:a16="http://schemas.microsoft.com/office/drawing/2014/main" id="{48AC55AE-B677-46C7-AF18-B7116479F0D0}"/>
               </a:ext>
             </a:extLst>
           </p:cNvPr>
@@ -2410,7 +2411,7 @@
           <a:blip r:embed="rId3">
             <a:extLst>
               <a:ext uri="{96DAC541-7B7A-43D3-8B79-37D633B846F1}">
-                <asvg:svgBlip xmlns="" xmlns:asvg="http://schemas.microsoft.com/office/drawing/2016/SVG/main" r:embed="rId4"/>
+                <asvg:svgBlip xmlns:asvg="http://schemas.microsoft.com/office/drawing/2016/SVG/main" r:embed="rId4"/>
               </a:ext>
             </a:extLst>
           </a:blip>
@@ -2730,7 +2731,7 @@
           <p:cNvPr id="12" name="Picture 11">
             <a:extLst>
               <a:ext uri="{FF2B5EF4-FFF2-40B4-BE49-F238E27FC236}">
-                <a16:creationId xmlns:a16="http://schemas.microsoft.com/office/drawing/2014/main" xmlns="" id="{9B9CD3EE-43F5-4DBF-819C-C6778A8C2BC2}"/>
+                <a16:creationId xmlns:a16="http://schemas.microsoft.com/office/drawing/2014/main" id="{9B9CD3EE-43F5-4DBF-819C-C6778A8C2BC2}"/>
               </a:ext>
             </a:extLst>
           </p:cNvPr>
@@ -2766,7 +2767,7 @@
           <p:cNvPr id="14" name="Rectangle 13">
             <a:extLst>
               <a:ext uri="{FF2B5EF4-FFF2-40B4-BE49-F238E27FC236}">
-                <a16:creationId xmlns:a16="http://schemas.microsoft.com/office/drawing/2014/main" xmlns="" id="{022E9E65-7159-4677-A558-F7C7A827174A}"/>
+                <a16:creationId xmlns:a16="http://schemas.microsoft.com/office/drawing/2014/main" id="{022E9E65-7159-4677-A558-F7C7A827174A}"/>
               </a:ext>
             </a:extLst>
           </p:cNvPr>
@@ -2812,7 +2813,7 @@
           <p:cNvPr id="15" name="Graphic 14">
             <a:extLst>
               <a:ext uri="{FF2B5EF4-FFF2-40B4-BE49-F238E27FC236}">
-                <a16:creationId xmlns:a16="http://schemas.microsoft.com/office/drawing/2014/main" xmlns="" id="{064B6C43-8A4A-4CF9-9595-DD89897C2777}"/>
+                <a16:creationId xmlns:a16="http://schemas.microsoft.com/office/drawing/2014/main" id="{064B6C43-8A4A-4CF9-9595-DD89897C2777}"/>
               </a:ext>
             </a:extLst>
           </p:cNvPr>
@@ -2825,7 +2826,7 @@
           <a:blip r:embed="rId3">
             <a:extLst>
               <a:ext uri="{96DAC541-7B7A-43D3-8B79-37D633B846F1}">
-                <asvg:svgBlip xmlns="" xmlns:asvg="http://schemas.microsoft.com/office/drawing/2016/SVG/main" r:embed="rId4"/>
+                <asvg:svgBlip xmlns:asvg="http://schemas.microsoft.com/office/drawing/2016/SVG/main" r:embed="rId4"/>
               </a:ext>
             </a:extLst>
           </a:blip>
@@ -3055,7 +3056,7 @@
           <p:cNvPr id="7" name="Picture 6">
             <a:extLst>
               <a:ext uri="{FF2B5EF4-FFF2-40B4-BE49-F238E27FC236}">
-                <a16:creationId xmlns:a16="http://schemas.microsoft.com/office/drawing/2014/main" xmlns="" id="{BA61EC88-95AB-4346-9A31-7D73398781E4}"/>
+                <a16:creationId xmlns:a16="http://schemas.microsoft.com/office/drawing/2014/main" id="{BA61EC88-95AB-4346-9A31-7D73398781E4}"/>
               </a:ext>
             </a:extLst>
           </p:cNvPr>
@@ -3091,7 +3092,7 @@
           <p:cNvPr id="9" name="Rectangle 8">
             <a:extLst>
               <a:ext uri="{FF2B5EF4-FFF2-40B4-BE49-F238E27FC236}">
-                <a16:creationId xmlns:a16="http://schemas.microsoft.com/office/drawing/2014/main" xmlns="" id="{E1107DDA-3356-496E-820D-F8E2C3B93FB0}"/>
+                <a16:creationId xmlns:a16="http://schemas.microsoft.com/office/drawing/2014/main" id="{E1107DDA-3356-496E-820D-F8E2C3B93FB0}"/>
               </a:ext>
             </a:extLst>
           </p:cNvPr>
@@ -3137,7 +3138,7 @@
           <p:cNvPr id="12" name="Picture 11">
             <a:extLst>
               <a:ext uri="{FF2B5EF4-FFF2-40B4-BE49-F238E27FC236}">
-                <a16:creationId xmlns:a16="http://schemas.microsoft.com/office/drawing/2014/main" xmlns="" id="{7A85E918-F91C-984D-A9CF-AA4EBFEB64C2}"/>
+                <a16:creationId xmlns:a16="http://schemas.microsoft.com/office/drawing/2014/main" id="{7A85E918-F91C-984D-A9CF-AA4EBFEB64C2}"/>
               </a:ext>
             </a:extLst>
           </p:cNvPr>
@@ -3167,7 +3168,7 @@
           <p:cNvPr id="10" name="Graphic 9">
             <a:extLst>
               <a:ext uri="{FF2B5EF4-FFF2-40B4-BE49-F238E27FC236}">
-                <a16:creationId xmlns:a16="http://schemas.microsoft.com/office/drawing/2014/main" xmlns="" id="{9029B3F8-2494-F34B-8149-64D5F6207F6A}"/>
+                <a16:creationId xmlns:a16="http://schemas.microsoft.com/office/drawing/2014/main" id="{9029B3F8-2494-F34B-8149-64D5F6207F6A}"/>
               </a:ext>
             </a:extLst>
           </p:cNvPr>
@@ -3180,7 +3181,7 @@
           <a:blip r:embed="rId4">
             <a:extLst>
               <a:ext uri="{96DAC541-7B7A-43D3-8B79-37D633B846F1}">
-                <asvg:svgBlip xmlns="" xmlns:asvg="http://schemas.microsoft.com/office/drawing/2016/SVG/main" r:embed="rId5"/>
+                <asvg:svgBlip xmlns:asvg="http://schemas.microsoft.com/office/drawing/2016/SVG/main" r:embed="rId5"/>
               </a:ext>
             </a:extLst>
           </a:blip>
@@ -3455,7 +3456,7 @@
           <p:cNvPr id="10" name="Rectangle 9">
             <a:extLst>
               <a:ext uri="{FF2B5EF4-FFF2-40B4-BE49-F238E27FC236}">
-                <a16:creationId xmlns:a16="http://schemas.microsoft.com/office/drawing/2014/main" xmlns="" id="{D9517C50-B947-47A4-83E1-B84B923F78DB}"/>
+                <a16:creationId xmlns:a16="http://schemas.microsoft.com/office/drawing/2014/main" id="{D9517C50-B947-47A4-83E1-B84B923F78DB}"/>
               </a:ext>
             </a:extLst>
           </p:cNvPr>
@@ -3501,7 +3502,7 @@
           <p:cNvPr id="9" name="Picture 8">
             <a:extLst>
               <a:ext uri="{FF2B5EF4-FFF2-40B4-BE49-F238E27FC236}">
-                <a16:creationId xmlns:a16="http://schemas.microsoft.com/office/drawing/2014/main" xmlns="" id="{DF01465A-4EE3-E34C-BA2E-5CB1656442DF}"/>
+                <a16:creationId xmlns:a16="http://schemas.microsoft.com/office/drawing/2014/main" id="{DF01465A-4EE3-E34C-BA2E-5CB1656442DF}"/>
               </a:ext>
             </a:extLst>
           </p:cNvPr>
@@ -3651,7 +3652,7 @@
           <p:cNvPr id="7" name="Picture 6">
             <a:extLst>
               <a:ext uri="{FF2B5EF4-FFF2-40B4-BE49-F238E27FC236}">
-                <a16:creationId xmlns:a16="http://schemas.microsoft.com/office/drawing/2014/main" xmlns="" id="{7C5ADE1D-D0C4-144B-A4D1-954470A31286}"/>
+                <a16:creationId xmlns:a16="http://schemas.microsoft.com/office/drawing/2014/main" id="{7C5ADE1D-D0C4-144B-A4D1-954470A31286}"/>
               </a:ext>
             </a:extLst>
           </p:cNvPr>
@@ -3681,7 +3682,7 @@
           <p:cNvPr id="6" name="Graphic 5">
             <a:extLst>
               <a:ext uri="{FF2B5EF4-FFF2-40B4-BE49-F238E27FC236}">
-                <a16:creationId xmlns:a16="http://schemas.microsoft.com/office/drawing/2014/main" xmlns="" id="{75FC8870-B49C-3F4C-9E80-6EFEFC78231F}"/>
+                <a16:creationId xmlns:a16="http://schemas.microsoft.com/office/drawing/2014/main" id="{75FC8870-B49C-3F4C-9E80-6EFEFC78231F}"/>
               </a:ext>
             </a:extLst>
           </p:cNvPr>
@@ -3694,7 +3695,7 @@
           <a:blip r:embed="rId3">
             <a:extLst>
               <a:ext uri="{96DAC541-7B7A-43D3-8B79-37D633B846F1}">
-                <asvg:svgBlip xmlns="" xmlns:asvg="http://schemas.microsoft.com/office/drawing/2016/SVG/main" r:embed="rId4"/>
+                <asvg:svgBlip xmlns:asvg="http://schemas.microsoft.com/office/drawing/2016/SVG/main" r:embed="rId4"/>
               </a:ext>
             </a:extLst>
           </a:blip>
@@ -3754,7 +3755,7 @@
           <p:cNvPr id="7" name="Graphic 6">
             <a:extLst>
               <a:ext uri="{FF2B5EF4-FFF2-40B4-BE49-F238E27FC236}">
-                <a16:creationId xmlns:a16="http://schemas.microsoft.com/office/drawing/2014/main" xmlns="" id="{449248B8-36D6-2444-8083-9206611E6A58}"/>
+                <a16:creationId xmlns:a16="http://schemas.microsoft.com/office/drawing/2014/main" id="{449248B8-36D6-2444-8083-9206611E6A58}"/>
               </a:ext>
             </a:extLst>
           </p:cNvPr>
@@ -3767,7 +3768,7 @@
           <a:blip r:embed="rId2">
             <a:extLst>
               <a:ext uri="{96DAC541-7B7A-43D3-8B79-37D633B846F1}">
-                <asvg:svgBlip xmlns="" xmlns:asvg="http://schemas.microsoft.com/office/drawing/2016/SVG/main" r:embed="rId3"/>
+                <asvg:svgBlip xmlns:asvg="http://schemas.microsoft.com/office/drawing/2016/SVG/main" r:embed="rId3"/>
               </a:ext>
             </a:extLst>
           </a:blip>
@@ -3789,7 +3790,7 @@
           <p:cNvPr id="3" name="Rectangle 2">
             <a:extLst>
               <a:ext uri="{FF2B5EF4-FFF2-40B4-BE49-F238E27FC236}">
-                <a16:creationId xmlns:a16="http://schemas.microsoft.com/office/drawing/2014/main" xmlns="" id="{4970D4A9-0CAF-0440-A872-837949740850}"/>
+                <a16:creationId xmlns:a16="http://schemas.microsoft.com/office/drawing/2014/main" id="{4970D4A9-0CAF-0440-A872-837949740850}"/>
               </a:ext>
             </a:extLst>
           </p:cNvPr>
@@ -3840,7 +3841,7 @@
           <p:cNvPr id="9" name="Straight Connector 8">
             <a:extLst>
               <a:ext uri="{FF2B5EF4-FFF2-40B4-BE49-F238E27FC236}">
-                <a16:creationId xmlns:a16="http://schemas.microsoft.com/office/drawing/2014/main" xmlns="" id="{42096364-00E3-1B41-935E-2FB2AFA47BDC}"/>
+                <a16:creationId xmlns:a16="http://schemas.microsoft.com/office/drawing/2014/main" id="{42096364-00E3-1B41-935E-2FB2AFA47BDC}"/>
               </a:ext>
             </a:extLst>
           </p:cNvPr>
@@ -3985,7 +3986,7 @@
           <p:cNvPr id="11" name="Picture 10">
             <a:extLst>
               <a:ext uri="{FF2B5EF4-FFF2-40B4-BE49-F238E27FC236}">
-                <a16:creationId xmlns:a16="http://schemas.microsoft.com/office/drawing/2014/main" xmlns="" id="{0F9E2D2A-6A45-124C-893D-E1E86CF35418}"/>
+                <a16:creationId xmlns:a16="http://schemas.microsoft.com/office/drawing/2014/main" id="{0F9E2D2A-6A45-124C-893D-E1E86CF35418}"/>
               </a:ext>
             </a:extLst>
           </p:cNvPr>
@@ -4014,7 +4015,7 @@
           <p:cNvPr id="12" name="Graphic 11">
             <a:extLst>
               <a:ext uri="{FF2B5EF4-FFF2-40B4-BE49-F238E27FC236}">
-                <a16:creationId xmlns:a16="http://schemas.microsoft.com/office/drawing/2014/main" xmlns="" id="{5DE69518-7BE9-3A47-AF23-27C337319473}"/>
+                <a16:creationId xmlns:a16="http://schemas.microsoft.com/office/drawing/2014/main" id="{5DE69518-7BE9-3A47-AF23-27C337319473}"/>
               </a:ext>
             </a:extLst>
           </p:cNvPr>
@@ -4027,7 +4028,7 @@
           <a:blip r:embed="rId5">
             <a:extLst>
               <a:ext uri="{96DAC541-7B7A-43D3-8B79-37D633B846F1}">
-                <asvg:svgBlip xmlns="" xmlns:asvg="http://schemas.microsoft.com/office/drawing/2016/SVG/main" r:embed="rId6"/>
+                <asvg:svgBlip xmlns:asvg="http://schemas.microsoft.com/office/drawing/2016/SVG/main" r:embed="rId6"/>
               </a:ext>
             </a:extLst>
           </a:blip>
@@ -4499,7 +4500,7 @@
             <p:cNvPr id="11" name="Straight Connector 10">
               <a:extLst>
                 <a:ext uri="{FF2B5EF4-FFF2-40B4-BE49-F238E27FC236}">
-                  <a16:creationId xmlns:a16="http://schemas.microsoft.com/office/drawing/2014/main" xmlns="" id="{A11EE908-9F9A-48A1-8599-E848249DDC74}"/>
+                  <a16:creationId xmlns:a16="http://schemas.microsoft.com/office/drawing/2014/main" id="{A11EE908-9F9A-48A1-8599-E848249DDC74}"/>
                 </a:ext>
               </a:extLst>
             </p:cNvPr>
@@ -4542,7 +4543,7 @@
             <p:cNvPr id="12" name="Oval 11">
               <a:extLst>
                 <a:ext uri="{FF2B5EF4-FFF2-40B4-BE49-F238E27FC236}">
-                  <a16:creationId xmlns:a16="http://schemas.microsoft.com/office/drawing/2014/main" xmlns="" id="{FC9AA276-A295-48B2-BA99-9E8135E2C6A8}"/>
+                  <a16:creationId xmlns:a16="http://schemas.microsoft.com/office/drawing/2014/main" id="{FC9AA276-A295-48B2-BA99-9E8135E2C6A8}"/>
                 </a:ext>
               </a:extLst>
             </p:cNvPr>
@@ -4601,7 +4602,7 @@
             <p:cNvPr id="13" name="Oval 12">
               <a:extLst>
                 <a:ext uri="{FF2B5EF4-FFF2-40B4-BE49-F238E27FC236}">
-                  <a16:creationId xmlns:a16="http://schemas.microsoft.com/office/drawing/2014/main" xmlns="" id="{FC9AA276-A295-48B2-BA99-9E8135E2C6A8}"/>
+                  <a16:creationId xmlns:a16="http://schemas.microsoft.com/office/drawing/2014/main" id="{FC9AA276-A295-48B2-BA99-9E8135E2C6A8}"/>
                 </a:ext>
               </a:extLst>
             </p:cNvPr>
@@ -4989,7 +4990,7 @@
             <p:cNvPr id="11" name="Straight Connector 10">
               <a:extLst>
                 <a:ext uri="{FF2B5EF4-FFF2-40B4-BE49-F238E27FC236}">
-                  <a16:creationId xmlns:a16="http://schemas.microsoft.com/office/drawing/2014/main" xmlns="" id="{A11EE908-9F9A-48A1-8599-E848249DDC74}"/>
+                  <a16:creationId xmlns:a16="http://schemas.microsoft.com/office/drawing/2014/main" id="{A11EE908-9F9A-48A1-8599-E848249DDC74}"/>
                 </a:ext>
               </a:extLst>
             </p:cNvPr>
@@ -5032,7 +5033,7 @@
             <p:cNvPr id="12" name="Oval 11">
               <a:extLst>
                 <a:ext uri="{FF2B5EF4-FFF2-40B4-BE49-F238E27FC236}">
-                  <a16:creationId xmlns:a16="http://schemas.microsoft.com/office/drawing/2014/main" xmlns="" id="{FC9AA276-A295-48B2-BA99-9E8135E2C6A8}"/>
+                  <a16:creationId xmlns:a16="http://schemas.microsoft.com/office/drawing/2014/main" id="{FC9AA276-A295-48B2-BA99-9E8135E2C6A8}"/>
                 </a:ext>
               </a:extLst>
             </p:cNvPr>
@@ -5091,7 +5092,7 @@
             <p:cNvPr id="13" name="Oval 12">
               <a:extLst>
                 <a:ext uri="{FF2B5EF4-FFF2-40B4-BE49-F238E27FC236}">
-                  <a16:creationId xmlns:a16="http://schemas.microsoft.com/office/drawing/2014/main" xmlns="" id="{FC9AA276-A295-48B2-BA99-9E8135E2C6A8}"/>
+                  <a16:creationId xmlns:a16="http://schemas.microsoft.com/office/drawing/2014/main" id="{FC9AA276-A295-48B2-BA99-9E8135E2C6A8}"/>
                 </a:ext>
               </a:extLst>
             </p:cNvPr>
@@ -5302,7 +5303,7 @@
           <p:cNvPr id="6" name="Group 5">
             <a:extLst>
               <a:ext uri="{FF2B5EF4-FFF2-40B4-BE49-F238E27FC236}">
-                <a16:creationId xmlns:a16="http://schemas.microsoft.com/office/drawing/2014/main" xmlns="" id="{A581C1E6-81B1-074E-B5F5-1F6DE6C94FD5}"/>
+                <a16:creationId xmlns:a16="http://schemas.microsoft.com/office/drawing/2014/main" id="{A581C1E6-81B1-074E-B5F5-1F6DE6C94FD5}"/>
               </a:ext>
             </a:extLst>
           </p:cNvPr>
@@ -5322,7 +5323,7 @@
             <p:cNvPr id="7" name="Straight Connector 6">
               <a:extLst>
                 <a:ext uri="{FF2B5EF4-FFF2-40B4-BE49-F238E27FC236}">
-                  <a16:creationId xmlns:a16="http://schemas.microsoft.com/office/drawing/2014/main" xmlns="" id="{89E5BD30-D75D-7242-A941-479BB46F77C9}"/>
+                  <a16:creationId xmlns:a16="http://schemas.microsoft.com/office/drawing/2014/main" id="{89E5BD30-D75D-7242-A941-479BB46F77C9}"/>
                 </a:ext>
               </a:extLst>
             </p:cNvPr>
@@ -5366,7 +5367,7 @@
             <p:cNvPr id="8" name="Oval 7">
               <a:extLst>
                 <a:ext uri="{FF2B5EF4-FFF2-40B4-BE49-F238E27FC236}">
-                  <a16:creationId xmlns:a16="http://schemas.microsoft.com/office/drawing/2014/main" xmlns="" id="{FA644883-E2A5-C549-A42F-A51A11126992}"/>
+                  <a16:creationId xmlns:a16="http://schemas.microsoft.com/office/drawing/2014/main" id="{FA644883-E2A5-C549-A42F-A51A11126992}"/>
                 </a:ext>
               </a:extLst>
             </p:cNvPr>
@@ -5425,7 +5426,7 @@
             <p:cNvPr id="9" name="Oval 8">
               <a:extLst>
                 <a:ext uri="{FF2B5EF4-FFF2-40B4-BE49-F238E27FC236}">
-                  <a16:creationId xmlns:a16="http://schemas.microsoft.com/office/drawing/2014/main" xmlns="" id="{A5E3332C-D261-0445-8DAB-5BDB23F762C0}"/>
+                  <a16:creationId xmlns:a16="http://schemas.microsoft.com/office/drawing/2014/main" id="{A5E3332C-D261-0445-8DAB-5BDB23F762C0}"/>
                 </a:ext>
               </a:extLst>
             </p:cNvPr>
@@ -5485,7 +5486,7 @@
           <p:cNvPr id="10" name="Group 9">
             <a:extLst>
               <a:ext uri="{FF2B5EF4-FFF2-40B4-BE49-F238E27FC236}">
-                <a16:creationId xmlns:a16="http://schemas.microsoft.com/office/drawing/2014/main" xmlns="" id="{052FC438-4FDE-7D47-B465-87BA4BCF91D1}"/>
+                <a16:creationId xmlns:a16="http://schemas.microsoft.com/office/drawing/2014/main" id="{052FC438-4FDE-7D47-B465-87BA4BCF91D1}"/>
               </a:ext>
             </a:extLst>
           </p:cNvPr>
@@ -5505,7 +5506,7 @@
             <p:cNvPr id="11" name="Straight Connector 10">
               <a:extLst>
                 <a:ext uri="{FF2B5EF4-FFF2-40B4-BE49-F238E27FC236}">
-                  <a16:creationId xmlns:a16="http://schemas.microsoft.com/office/drawing/2014/main" xmlns="" id="{4BCA1179-609B-3C4C-AE94-20CA65B5AF25}"/>
+                  <a16:creationId xmlns:a16="http://schemas.microsoft.com/office/drawing/2014/main" id="{4BCA1179-609B-3C4C-AE94-20CA65B5AF25}"/>
                 </a:ext>
               </a:extLst>
             </p:cNvPr>
@@ -5548,7 +5549,7 @@
             <p:cNvPr id="12" name="Oval 11">
               <a:extLst>
                 <a:ext uri="{FF2B5EF4-FFF2-40B4-BE49-F238E27FC236}">
-                  <a16:creationId xmlns:a16="http://schemas.microsoft.com/office/drawing/2014/main" xmlns="" id="{8D34590D-04A6-3647-A1FD-11B965F935D6}"/>
+                  <a16:creationId xmlns:a16="http://schemas.microsoft.com/office/drawing/2014/main" id="{8D34590D-04A6-3647-A1FD-11B965F935D6}"/>
                 </a:ext>
               </a:extLst>
             </p:cNvPr>
@@ -5607,7 +5608,7 @@
             <p:cNvPr id="13" name="Oval 12">
               <a:extLst>
                 <a:ext uri="{FF2B5EF4-FFF2-40B4-BE49-F238E27FC236}">
-                  <a16:creationId xmlns:a16="http://schemas.microsoft.com/office/drawing/2014/main" xmlns="" id="{4F9AFDBB-839D-8949-90B9-A5F01FF306D5}"/>
+                  <a16:creationId xmlns:a16="http://schemas.microsoft.com/office/drawing/2014/main" id="{4F9AFDBB-839D-8949-90B9-A5F01FF306D5}"/>
                 </a:ext>
               </a:extLst>
             </p:cNvPr>
@@ -5667,7 +5668,7 @@
           <p:cNvPr id="14" name="Content Placeholder 13">
             <a:extLst>
               <a:ext uri="{FF2B5EF4-FFF2-40B4-BE49-F238E27FC236}">
-                <a16:creationId xmlns:a16="http://schemas.microsoft.com/office/drawing/2014/main" xmlns="" id="{5647B9F7-5481-614C-81E0-EAD8C7522A5B}"/>
+                <a16:creationId xmlns:a16="http://schemas.microsoft.com/office/drawing/2014/main" id="{5647B9F7-5481-614C-81E0-EAD8C7522A5B}"/>
               </a:ext>
             </a:extLst>
           </p:cNvPr>
@@ -5729,7 +5730,7 @@
           <p:cNvPr id="16" name="Content Placeholder 15">
             <a:extLst>
               <a:ext uri="{FF2B5EF4-FFF2-40B4-BE49-F238E27FC236}">
-                <a16:creationId xmlns:a16="http://schemas.microsoft.com/office/drawing/2014/main" xmlns="" id="{BCBE79B6-BC4B-264B-9AF6-938A9FC956FE}"/>
+                <a16:creationId xmlns:a16="http://schemas.microsoft.com/office/drawing/2014/main" id="{BCBE79B6-BC4B-264B-9AF6-938A9FC956FE}"/>
               </a:ext>
             </a:extLst>
           </p:cNvPr>
@@ -5791,7 +5792,7 @@
           <p:cNvPr id="18" name="Content Placeholder 17">
             <a:extLst>
               <a:ext uri="{FF2B5EF4-FFF2-40B4-BE49-F238E27FC236}">
-                <a16:creationId xmlns:a16="http://schemas.microsoft.com/office/drawing/2014/main" xmlns="" id="{EFE874A9-5536-9844-A68E-B045DEAB5012}"/>
+                <a16:creationId xmlns:a16="http://schemas.microsoft.com/office/drawing/2014/main" id="{EFE874A9-5536-9844-A68E-B045DEAB5012}"/>
               </a:ext>
             </a:extLst>
           </p:cNvPr>
@@ -5895,7 +5896,7 @@
           <p:cNvPr id="17" name="Round Diagonal Corner Rectangle 23">
             <a:extLst>
               <a:ext uri="{FF2B5EF4-FFF2-40B4-BE49-F238E27FC236}">
-                <a16:creationId xmlns:a16="http://schemas.microsoft.com/office/drawing/2014/main" xmlns="" id="{CE5B9CEC-630B-D949-98CD-84B619433BF8}"/>
+                <a16:creationId xmlns:a16="http://schemas.microsoft.com/office/drawing/2014/main" id="{CE5B9CEC-630B-D949-98CD-84B619433BF8}"/>
               </a:ext>
             </a:extLst>
           </p:cNvPr>
@@ -6101,7 +6102,7 @@
           <p:cNvPr id="19" name="Round Diagonal Corner Rectangle 23">
             <a:extLst>
               <a:ext uri="{FF2B5EF4-FFF2-40B4-BE49-F238E27FC236}">
-                <a16:creationId xmlns:a16="http://schemas.microsoft.com/office/drawing/2014/main" xmlns="" id="{1A459E13-9301-F947-8359-6D27A2722AB4}"/>
+                <a16:creationId xmlns:a16="http://schemas.microsoft.com/office/drawing/2014/main" id="{1A459E13-9301-F947-8359-6D27A2722AB4}"/>
               </a:ext>
             </a:extLst>
           </p:cNvPr>
@@ -6307,7 +6308,7 @@
           <p:cNvPr id="20" name="Round Diagonal Corner Rectangle 23">
             <a:extLst>
               <a:ext uri="{FF2B5EF4-FFF2-40B4-BE49-F238E27FC236}">
-                <a16:creationId xmlns:a16="http://schemas.microsoft.com/office/drawing/2014/main" xmlns="" id="{0C78E5F8-3E27-6D4B-91E7-2ACC9AFDEC54}"/>
+                <a16:creationId xmlns:a16="http://schemas.microsoft.com/office/drawing/2014/main" id="{0C78E5F8-3E27-6D4B-91E7-2ACC9AFDEC54}"/>
               </a:ext>
             </a:extLst>
           </p:cNvPr>
@@ -6513,7 +6514,7 @@
           <p:cNvPr id="21" name="Round Diagonal Corner Rectangle 23">
             <a:extLst>
               <a:ext uri="{FF2B5EF4-FFF2-40B4-BE49-F238E27FC236}">
-                <a16:creationId xmlns:a16="http://schemas.microsoft.com/office/drawing/2014/main" xmlns="" id="{4253EBE7-1C5C-144C-9713-65D3E9D8D602}"/>
+                <a16:creationId xmlns:a16="http://schemas.microsoft.com/office/drawing/2014/main" id="{4253EBE7-1C5C-144C-9713-65D3E9D8D602}"/>
               </a:ext>
             </a:extLst>
           </p:cNvPr>
@@ -6719,7 +6720,7 @@
           <p:cNvPr id="22" name="Oval 21">
             <a:extLst>
               <a:ext uri="{FF2B5EF4-FFF2-40B4-BE49-F238E27FC236}">
-                <a16:creationId xmlns:a16="http://schemas.microsoft.com/office/drawing/2014/main" xmlns="" id="{346FE596-3E07-3A40-9119-500C276DCD9F}"/>
+                <a16:creationId xmlns:a16="http://schemas.microsoft.com/office/drawing/2014/main" id="{346FE596-3E07-3A40-9119-500C276DCD9F}"/>
               </a:ext>
             </a:extLst>
           </p:cNvPr>
@@ -6770,7 +6771,7 @@
           <p:cNvPr id="24" name="Oval 23">
             <a:extLst>
               <a:ext uri="{FF2B5EF4-FFF2-40B4-BE49-F238E27FC236}">
-                <a16:creationId xmlns:a16="http://schemas.microsoft.com/office/drawing/2014/main" xmlns="" id="{491A93A2-820A-434E-8BFB-62274B3A5CA4}"/>
+                <a16:creationId xmlns:a16="http://schemas.microsoft.com/office/drawing/2014/main" id="{491A93A2-820A-434E-8BFB-62274B3A5CA4}"/>
               </a:ext>
             </a:extLst>
           </p:cNvPr>
@@ -6821,7 +6822,7 @@
           <p:cNvPr id="27" name="Oval 26">
             <a:extLst>
               <a:ext uri="{FF2B5EF4-FFF2-40B4-BE49-F238E27FC236}">
-                <a16:creationId xmlns:a16="http://schemas.microsoft.com/office/drawing/2014/main" xmlns="" id="{39FCCAA4-6877-9044-8C81-BAC69A59B0BF}"/>
+                <a16:creationId xmlns:a16="http://schemas.microsoft.com/office/drawing/2014/main" id="{39FCCAA4-6877-9044-8C81-BAC69A59B0BF}"/>
               </a:ext>
             </a:extLst>
           </p:cNvPr>
@@ -6872,7 +6873,7 @@
           <p:cNvPr id="29" name="Oval 28">
             <a:extLst>
               <a:ext uri="{FF2B5EF4-FFF2-40B4-BE49-F238E27FC236}">
-                <a16:creationId xmlns:a16="http://schemas.microsoft.com/office/drawing/2014/main" xmlns="" id="{56892773-8B20-B740-8CBB-17181B085320}"/>
+                <a16:creationId xmlns:a16="http://schemas.microsoft.com/office/drawing/2014/main" id="{56892773-8B20-B740-8CBB-17181B085320}"/>
               </a:ext>
             </a:extLst>
           </p:cNvPr>
@@ -6923,7 +6924,7 @@
           <p:cNvPr id="30" name="Graphic 29">
             <a:extLst>
               <a:ext uri="{FF2B5EF4-FFF2-40B4-BE49-F238E27FC236}">
-                <a16:creationId xmlns:a16="http://schemas.microsoft.com/office/drawing/2014/main" xmlns="" id="{9A865D65-E338-4A4D-85F9-98A1FF83201C}"/>
+                <a16:creationId xmlns:a16="http://schemas.microsoft.com/office/drawing/2014/main" id="{9A865D65-E338-4A4D-85F9-98A1FF83201C}"/>
               </a:ext>
             </a:extLst>
           </p:cNvPr>
@@ -6936,7 +6937,7 @@
           <a:blip r:embed="rId2">
             <a:extLst>
               <a:ext uri="{96DAC541-7B7A-43D3-8B79-37D633B846F1}">
-                <asvg:svgBlip xmlns="" xmlns:asvg="http://schemas.microsoft.com/office/drawing/2016/SVG/main" r:embed="rId3"/>
+                <asvg:svgBlip xmlns:asvg="http://schemas.microsoft.com/office/drawing/2016/SVG/main" r:embed="rId3"/>
               </a:ext>
             </a:extLst>
           </a:blip>
@@ -6959,7 +6960,7 @@
           <p:cNvPr id="31" name="Graphic 30">
             <a:extLst>
               <a:ext uri="{FF2B5EF4-FFF2-40B4-BE49-F238E27FC236}">
-                <a16:creationId xmlns:a16="http://schemas.microsoft.com/office/drawing/2014/main" xmlns="" id="{99B270E3-BF27-4D44-9301-03D5A11D75C9}"/>
+                <a16:creationId xmlns:a16="http://schemas.microsoft.com/office/drawing/2014/main" id="{99B270E3-BF27-4D44-9301-03D5A11D75C9}"/>
               </a:ext>
             </a:extLst>
           </p:cNvPr>
@@ -6972,7 +6973,7 @@
           <a:blip r:embed="rId4">
             <a:extLst>
               <a:ext uri="{96DAC541-7B7A-43D3-8B79-37D633B846F1}">
-                <asvg:svgBlip xmlns="" xmlns:asvg="http://schemas.microsoft.com/office/drawing/2016/SVG/main" r:embed="rId5"/>
+                <asvg:svgBlip xmlns:asvg="http://schemas.microsoft.com/office/drawing/2016/SVG/main" r:embed="rId5"/>
               </a:ext>
             </a:extLst>
           </a:blip>
@@ -6995,7 +6996,7 @@
           <p:cNvPr id="32" name="Graphic 31">
             <a:extLst>
               <a:ext uri="{FF2B5EF4-FFF2-40B4-BE49-F238E27FC236}">
-                <a16:creationId xmlns:a16="http://schemas.microsoft.com/office/drawing/2014/main" xmlns="" id="{897B35AA-8615-8D46-80F2-2E1D28F2C3DA}"/>
+                <a16:creationId xmlns:a16="http://schemas.microsoft.com/office/drawing/2014/main" id="{897B35AA-8615-8D46-80F2-2E1D28F2C3DA}"/>
               </a:ext>
             </a:extLst>
           </p:cNvPr>
@@ -7008,7 +7009,7 @@
           <a:blip r:embed="rId6">
             <a:extLst>
               <a:ext uri="{96DAC541-7B7A-43D3-8B79-37D633B846F1}">
-                <asvg:svgBlip xmlns="" xmlns:asvg="http://schemas.microsoft.com/office/drawing/2016/SVG/main" r:embed="rId7"/>
+                <asvg:svgBlip xmlns:asvg="http://schemas.microsoft.com/office/drawing/2016/SVG/main" r:embed="rId7"/>
               </a:ext>
             </a:extLst>
           </a:blip>
@@ -7031,7 +7032,7 @@
           <p:cNvPr id="33" name="Graphic 32">
             <a:extLst>
               <a:ext uri="{FF2B5EF4-FFF2-40B4-BE49-F238E27FC236}">
-                <a16:creationId xmlns:a16="http://schemas.microsoft.com/office/drawing/2014/main" xmlns="" id="{A82F2CAC-6FB0-1145-89C2-D787B3F2473D}"/>
+                <a16:creationId xmlns:a16="http://schemas.microsoft.com/office/drawing/2014/main" id="{A82F2CAC-6FB0-1145-89C2-D787B3F2473D}"/>
               </a:ext>
             </a:extLst>
           </p:cNvPr>
@@ -7044,7 +7045,7 @@
           <a:blip r:embed="rId8">
             <a:extLst>
               <a:ext uri="{96DAC541-7B7A-43D3-8B79-37D633B846F1}">
-                <asvg:svgBlip xmlns="" xmlns:asvg="http://schemas.microsoft.com/office/drawing/2016/SVG/main" r:embed="rId9"/>
+                <asvg:svgBlip xmlns:asvg="http://schemas.microsoft.com/office/drawing/2016/SVG/main" r:embed="rId9"/>
               </a:ext>
             </a:extLst>
           </a:blip>
@@ -7089,7 +7090,7 @@
           <p:cNvPr id="15" name="Text Placeholder 14">
             <a:extLst>
               <a:ext uri="{FF2B5EF4-FFF2-40B4-BE49-F238E27FC236}">
-                <a16:creationId xmlns:a16="http://schemas.microsoft.com/office/drawing/2014/main" xmlns="" id="{D2D05145-7BEC-E84A-BA52-93F15E2E64B0}"/>
+                <a16:creationId xmlns:a16="http://schemas.microsoft.com/office/drawing/2014/main" id="{D2D05145-7BEC-E84A-BA52-93F15E2E64B0}"/>
               </a:ext>
             </a:extLst>
           </p:cNvPr>
@@ -7136,7 +7137,7 @@
           <p:cNvPr id="36" name="Text Placeholder 35">
             <a:extLst>
               <a:ext uri="{FF2B5EF4-FFF2-40B4-BE49-F238E27FC236}">
-                <a16:creationId xmlns:a16="http://schemas.microsoft.com/office/drawing/2014/main" xmlns="" id="{764048D8-90C3-4942-95F5-F496DFE73C0F}"/>
+                <a16:creationId xmlns:a16="http://schemas.microsoft.com/office/drawing/2014/main" id="{764048D8-90C3-4942-95F5-F496DFE73C0F}"/>
               </a:ext>
             </a:extLst>
           </p:cNvPr>
@@ -7178,7 +7179,7 @@
           <p:cNvPr id="38" name="Text Placeholder 37">
             <a:extLst>
               <a:ext uri="{FF2B5EF4-FFF2-40B4-BE49-F238E27FC236}">
-                <a16:creationId xmlns:a16="http://schemas.microsoft.com/office/drawing/2014/main" xmlns="" id="{DD756966-9D56-9140-B76B-F243709447E2}"/>
+                <a16:creationId xmlns:a16="http://schemas.microsoft.com/office/drawing/2014/main" id="{DD756966-9D56-9140-B76B-F243709447E2}"/>
               </a:ext>
             </a:extLst>
           </p:cNvPr>
@@ -7220,7 +7221,7 @@
           <p:cNvPr id="40" name="Text Placeholder 39">
             <a:extLst>
               <a:ext uri="{FF2B5EF4-FFF2-40B4-BE49-F238E27FC236}">
-                <a16:creationId xmlns:a16="http://schemas.microsoft.com/office/drawing/2014/main" xmlns="" id="{4B52AC49-CDB4-4545-8D1E-A8EB76C9BA17}"/>
+                <a16:creationId xmlns:a16="http://schemas.microsoft.com/office/drawing/2014/main" id="{4B52AC49-CDB4-4545-8D1E-A8EB76C9BA17}"/>
               </a:ext>
             </a:extLst>
           </p:cNvPr>
@@ -7326,7 +7327,7 @@
           <p:cNvPr id="3" name="Round Diagonal Corner Rectangle 2">
             <a:extLst>
               <a:ext uri="{FF2B5EF4-FFF2-40B4-BE49-F238E27FC236}">
-                <a16:creationId xmlns:a16="http://schemas.microsoft.com/office/drawing/2014/main" xmlns="" id="{E93D834F-ABD4-794F-88C3-312B5ABDA640}"/>
+                <a16:creationId xmlns:a16="http://schemas.microsoft.com/office/drawing/2014/main" id="{E93D834F-ABD4-794F-88C3-312B5ABDA640}"/>
               </a:ext>
             </a:extLst>
           </p:cNvPr>
@@ -7376,7 +7377,7 @@
           <p:cNvPr id="4" name="Round Diagonal Corner Rectangle 3">
             <a:extLst>
               <a:ext uri="{FF2B5EF4-FFF2-40B4-BE49-F238E27FC236}">
-                <a16:creationId xmlns:a16="http://schemas.microsoft.com/office/drawing/2014/main" xmlns="" id="{4AC451E8-1122-6049-A5DD-8F66B7581EC6}"/>
+                <a16:creationId xmlns:a16="http://schemas.microsoft.com/office/drawing/2014/main" id="{4AC451E8-1122-6049-A5DD-8F66B7581EC6}"/>
               </a:ext>
             </a:extLst>
           </p:cNvPr>
@@ -7426,7 +7427,7 @@
           <p:cNvPr id="5" name="Round Diagonal Corner Rectangle 4">
             <a:extLst>
               <a:ext uri="{FF2B5EF4-FFF2-40B4-BE49-F238E27FC236}">
-                <a16:creationId xmlns:a16="http://schemas.microsoft.com/office/drawing/2014/main" xmlns="" id="{4D187377-6E05-5449-81F3-92C698625E28}"/>
+                <a16:creationId xmlns:a16="http://schemas.microsoft.com/office/drawing/2014/main" id="{4D187377-6E05-5449-81F3-92C698625E28}"/>
               </a:ext>
             </a:extLst>
           </p:cNvPr>
@@ -7475,7 +7476,7 @@
           <p:cNvPr id="6" name="Round Diagonal Corner Rectangle 5">
             <a:extLst>
               <a:ext uri="{FF2B5EF4-FFF2-40B4-BE49-F238E27FC236}">
-                <a16:creationId xmlns:a16="http://schemas.microsoft.com/office/drawing/2014/main" xmlns="" id="{FC7961A4-7263-DE49-B4C4-5A10B2C05150}"/>
+                <a16:creationId xmlns:a16="http://schemas.microsoft.com/office/drawing/2014/main" id="{FC7961A4-7263-DE49-B4C4-5A10B2C05150}"/>
               </a:ext>
             </a:extLst>
           </p:cNvPr>
@@ -7525,7 +7526,7 @@
           <p:cNvPr id="7" name="Round Diagonal Corner Rectangle 6">
             <a:extLst>
               <a:ext uri="{FF2B5EF4-FFF2-40B4-BE49-F238E27FC236}">
-                <a16:creationId xmlns:a16="http://schemas.microsoft.com/office/drawing/2014/main" xmlns="" id="{9134F1E3-192C-004E-92F0-C389DD01AAD4}"/>
+                <a16:creationId xmlns:a16="http://schemas.microsoft.com/office/drawing/2014/main" id="{9134F1E3-192C-004E-92F0-C389DD01AAD4}"/>
               </a:ext>
             </a:extLst>
           </p:cNvPr>
@@ -7574,7 +7575,7 @@
           <p:cNvPr id="8" name="Round Diagonal Corner Rectangle 7">
             <a:extLst>
               <a:ext uri="{FF2B5EF4-FFF2-40B4-BE49-F238E27FC236}">
-                <a16:creationId xmlns:a16="http://schemas.microsoft.com/office/drawing/2014/main" xmlns="" id="{4368B054-6186-6444-B3D3-BDE4860BAD3C}"/>
+                <a16:creationId xmlns:a16="http://schemas.microsoft.com/office/drawing/2014/main" id="{4368B054-6186-6444-B3D3-BDE4860BAD3C}"/>
               </a:ext>
             </a:extLst>
           </p:cNvPr>
@@ -7622,7 +7623,7 @@
           <p:cNvPr id="9" name="Round Diagonal Corner Rectangle 8">
             <a:extLst>
               <a:ext uri="{FF2B5EF4-FFF2-40B4-BE49-F238E27FC236}">
-                <a16:creationId xmlns:a16="http://schemas.microsoft.com/office/drawing/2014/main" xmlns="" id="{2176983C-4C90-9540-954A-A82E4A289DEA}"/>
+                <a16:creationId xmlns:a16="http://schemas.microsoft.com/office/drawing/2014/main" id="{2176983C-4C90-9540-954A-A82E4A289DEA}"/>
               </a:ext>
             </a:extLst>
           </p:cNvPr>
@@ -7672,7 +7673,7 @@
           <p:cNvPr id="10" name="Round Diagonal Corner Rectangle 9">
             <a:extLst>
               <a:ext uri="{FF2B5EF4-FFF2-40B4-BE49-F238E27FC236}">
-                <a16:creationId xmlns:a16="http://schemas.microsoft.com/office/drawing/2014/main" xmlns="" id="{94EC2C35-C4D7-0043-A378-AA3AB539819D}"/>
+                <a16:creationId xmlns:a16="http://schemas.microsoft.com/office/drawing/2014/main" id="{94EC2C35-C4D7-0043-A378-AA3AB539819D}"/>
               </a:ext>
             </a:extLst>
           </p:cNvPr>
@@ -7721,7 +7722,7 @@
           <p:cNvPr id="11" name="Round Diagonal Corner Rectangle 10">
             <a:extLst>
               <a:ext uri="{FF2B5EF4-FFF2-40B4-BE49-F238E27FC236}">
-                <a16:creationId xmlns:a16="http://schemas.microsoft.com/office/drawing/2014/main" xmlns="" id="{EC7022F6-D71A-B343-89E2-A17147448F7A}"/>
+                <a16:creationId xmlns:a16="http://schemas.microsoft.com/office/drawing/2014/main" id="{EC7022F6-D71A-B343-89E2-A17147448F7A}"/>
               </a:ext>
             </a:extLst>
           </p:cNvPr>
@@ -7944,7 +7945,7 @@
           <p:cNvPr id="11" name="Picture 10">
             <a:extLst>
               <a:ext uri="{FF2B5EF4-FFF2-40B4-BE49-F238E27FC236}">
-                <a16:creationId xmlns:a16="http://schemas.microsoft.com/office/drawing/2014/main" xmlns="" id="{8CAE20BF-56F8-49D4-B3A5-43A57631A4F1}"/>
+                <a16:creationId xmlns:a16="http://schemas.microsoft.com/office/drawing/2014/main" id="{8CAE20BF-56F8-49D4-B3A5-43A57631A4F1}"/>
               </a:ext>
             </a:extLst>
           </p:cNvPr>
@@ -7980,7 +7981,7 @@
           <p:cNvPr id="12" name="Rectangle 11">
             <a:extLst>
               <a:ext uri="{FF2B5EF4-FFF2-40B4-BE49-F238E27FC236}">
-                <a16:creationId xmlns:a16="http://schemas.microsoft.com/office/drawing/2014/main" xmlns="" id="{03EA129C-C20D-46CC-99AE-6CCBA339B159}"/>
+                <a16:creationId xmlns:a16="http://schemas.microsoft.com/office/drawing/2014/main" id="{03EA129C-C20D-46CC-99AE-6CCBA339B159}"/>
               </a:ext>
             </a:extLst>
           </p:cNvPr>
@@ -8026,7 +8027,7 @@
           <p:cNvPr id="7" name="Picture 6">
             <a:extLst>
               <a:ext uri="{FF2B5EF4-FFF2-40B4-BE49-F238E27FC236}">
-                <a16:creationId xmlns:a16="http://schemas.microsoft.com/office/drawing/2014/main" xmlns="" id="{350B1875-A627-9A4A-9E12-59FB1FA97D4D}"/>
+                <a16:creationId xmlns:a16="http://schemas.microsoft.com/office/drawing/2014/main" id="{350B1875-A627-9A4A-9E12-59FB1FA97D4D}"/>
               </a:ext>
             </a:extLst>
           </p:cNvPr>
@@ -8055,7 +8056,7 @@
           <p:cNvPr id="14" name="Graphic 13">
             <a:extLst>
               <a:ext uri="{FF2B5EF4-FFF2-40B4-BE49-F238E27FC236}">
-                <a16:creationId xmlns:a16="http://schemas.microsoft.com/office/drawing/2014/main" xmlns="" id="{53A3CA15-63B6-C34C-AD8E-D61C3E82F9A0}"/>
+                <a16:creationId xmlns:a16="http://schemas.microsoft.com/office/drawing/2014/main" id="{53A3CA15-63B6-C34C-AD8E-D61C3E82F9A0}"/>
               </a:ext>
             </a:extLst>
           </p:cNvPr>
@@ -8068,7 +8069,7 @@
           <a:blip r:embed="rId23">
             <a:extLst>
               <a:ext uri="{96DAC541-7B7A-43D3-8B79-37D633B846F1}">
-                <asvg:svgBlip xmlns="" xmlns:asvg="http://schemas.microsoft.com/office/drawing/2016/SVG/main" r:embed="rId24"/>
+                <asvg:svgBlip xmlns:asvg="http://schemas.microsoft.com/office/drawing/2016/SVG/main" r:embed="rId24"/>
               </a:ext>
             </a:extLst>
           </a:blip>
@@ -8178,7 +8179,7 @@
           <a:blip r:embed="rId25">
             <a:extLst>
               <a:ext uri="{96DAC541-7B7A-43D3-8B79-37D633B846F1}">
-                <asvg:svgBlip xmlns="" xmlns:asvg="http://schemas.microsoft.com/office/drawing/2016/SVG/main" r:embed="rId26"/>
+                <asvg:svgBlip xmlns:asvg="http://schemas.microsoft.com/office/drawing/2016/SVG/main" r:embed="rId26"/>
               </a:ext>
             </a:extLst>
           </a:blip>
@@ -8205,7 +8206,7 @@
           <a:blip r:embed="rId27">
             <a:extLst>
               <a:ext uri="{96DAC541-7B7A-43D3-8B79-37D633B846F1}">
-                <asvg:svgBlip xmlns="" xmlns:asvg="http://schemas.microsoft.com/office/drawing/2016/SVG/main" r:embed="rId28"/>
+                <asvg:svgBlip xmlns:asvg="http://schemas.microsoft.com/office/drawing/2016/SVG/main" r:embed="rId28"/>
               </a:ext>
             </a:extLst>
           </a:blip>
@@ -8232,7 +8233,7 @@
           <a:blip r:embed="rId29">
             <a:extLst>
               <a:ext uri="{96DAC541-7B7A-43D3-8B79-37D633B846F1}">
-                <asvg:svgBlip xmlns="" xmlns:asvg="http://schemas.microsoft.com/office/drawing/2016/SVG/main" r:embed="rId30"/>
+                <asvg:svgBlip xmlns:asvg="http://schemas.microsoft.com/office/drawing/2016/SVG/main" r:embed="rId30"/>
               </a:ext>
             </a:extLst>
           </a:blip>
@@ -8259,7 +8260,7 @@
           <a:blip r:embed="rId31">
             <a:extLst>
               <a:ext uri="{96DAC541-7B7A-43D3-8B79-37D633B846F1}">
-                <asvg:svgBlip xmlns="" xmlns:asvg="http://schemas.microsoft.com/office/drawing/2016/SVG/main" r:embed="rId32"/>
+                <asvg:svgBlip xmlns:asvg="http://schemas.microsoft.com/office/drawing/2016/SVG/main" r:embed="rId32"/>
               </a:ext>
             </a:extLst>
           </a:blip>
@@ -8570,10 +8571,9 @@
           <a:lstStyle/>
           <a:p>
             <a:r>
-              <a:rPr lang="en-US" dirty="0" smtClean="0"/>
+              <a:rPr lang="en-US" dirty="0"/>
               <a:t>Freedom Friday</a:t>
             </a:r>
-            <a:endParaRPr lang="en-US" dirty="0"/>
           </a:p>
         </p:txBody>
       </p:sp>
@@ -8593,25 +8593,15 @@
           <a:lstStyle/>
           <a:p>
             <a:r>
-              <a:rPr lang="en-US" dirty="0" smtClean="0"/>
+              <a:rPr lang="en-US" dirty="0"/>
               <a:t>Sergiu Enache</a:t>
             </a:r>
-            <a:endParaRPr lang="en-US" dirty="0"/>
-          </a:p>
-          <a:p>
-            <a:r>
-              <a:rPr lang="en-US" dirty="0" smtClean="0"/>
-              <a:t>Data consistency in </a:t>
-            </a:r>
-            <a:r>
-              <a:rPr lang="en-US" dirty="0" err="1" smtClean="0"/>
-              <a:t>serverless</a:t>
-            </a:r>
-            <a:r>
-              <a:rPr lang="en-US" dirty="0" smtClean="0"/>
-              <a:t> computing</a:t>
-            </a:r>
-            <a:endParaRPr lang="en-US" dirty="0"/>
+          </a:p>
+          <a:p>
+            <a:r>
+              <a:rPr lang="en-US" dirty="0"/>
+              <a:t>Data consistency in serverless computing</a:t>
+            </a:r>
           </a:p>
         </p:txBody>
       </p:sp>
@@ -8673,7 +8663,7 @@
           <a:lstStyle/>
           <a:p>
             <a:r>
-              <a:rPr lang="en-GB" dirty="0" smtClean="0"/>
+              <a:rPr lang="en-GB" dirty="0"/>
               <a:t>Data consistency options</a:t>
             </a:r>
             <a:endParaRPr lang="en-US" dirty="0"/>
@@ -8705,21 +8695,21 @@
           <a:p>
             <a:pPr lvl="1"/>
             <a:r>
-              <a:rPr lang="en-GB" dirty="0" smtClean="0"/>
+              <a:rPr lang="en-GB" dirty="0"/>
               <a:t>Traditional ACID transactions</a:t>
             </a:r>
           </a:p>
           <a:p>
             <a:pPr lvl="2"/>
             <a:r>
-              <a:rPr lang="en-GB" dirty="0" smtClean="0"/>
+              <a:rPr lang="en-GB" dirty="0"/>
               <a:t>Atomicity, consistency, isolation and durability</a:t>
             </a:r>
           </a:p>
           <a:p>
             <a:pPr lvl="2"/>
             <a:r>
-              <a:rPr lang="en-GB" dirty="0" smtClean="0"/>
+              <a:rPr lang="en-GB" dirty="0"/>
               <a:t>Monolithic database which is the single truth</a:t>
             </a:r>
           </a:p>
@@ -8732,29 +8722,28 @@
           <a:p>
             <a:pPr lvl="1"/>
             <a:r>
-              <a:rPr lang="en-GB" dirty="0" smtClean="0"/>
+              <a:rPr lang="en-GB" dirty="0"/>
               <a:t>Two phase commit (anti-pattern)</a:t>
             </a:r>
           </a:p>
           <a:p>
             <a:pPr lvl="2"/>
             <a:r>
-              <a:rPr lang="en-GB" dirty="0" smtClean="0"/>
+              <a:rPr lang="en-GB" dirty="0"/>
               <a:t>ACID is mandatory</a:t>
             </a:r>
           </a:p>
           <a:p>
             <a:pPr lvl="2"/>
             <a:r>
-              <a:rPr lang="en-GB" dirty="0" smtClean="0"/>
+              <a:rPr lang="en-GB" dirty="0"/>
               <a:t>CAP Theorem: Choosing consistency</a:t>
             </a:r>
-            <a:endParaRPr lang="en-GB" dirty="0"/>
           </a:p>
           <a:p>
             <a:pPr lvl="1"/>
             <a:r>
-              <a:rPr lang="en-GB" dirty="0" smtClean="0"/>
+              <a:rPr lang="en-GB" dirty="0"/>
               <a:t>Eventual consistency </a:t>
             </a:r>
           </a:p>
@@ -8762,34 +8751,29 @@
             <a:pPr lvl="2"/>
             <a:r>
               <a:rPr lang="en-GB" dirty="0"/>
-              <a:t>Compromises </a:t>
-            </a:r>
-            <a:r>
-              <a:rPr lang="en-GB" dirty="0" smtClean="0"/>
-              <a:t>ACID, BASE (Basically Available, Soft state, Eventual consistency)</a:t>
+              <a:t>Compromises ACID, BASE (Basically Available, Soft state, Eventual consistency)</a:t>
             </a:r>
           </a:p>
           <a:p>
             <a:pPr lvl="2"/>
             <a:r>
-              <a:rPr lang="en-GB" dirty="0" smtClean="0"/>
+              <a:rPr lang="en-GB" dirty="0"/>
               <a:t>CAP Theorem: Choosing availability</a:t>
             </a:r>
           </a:p>
           <a:p>
             <a:pPr lvl="1"/>
             <a:r>
-              <a:rPr lang="en-GB" dirty="0" smtClean="0"/>
+              <a:rPr lang="en-GB" dirty="0"/>
               <a:t>Saga Pattern</a:t>
             </a:r>
           </a:p>
           <a:p>
             <a:pPr lvl="2"/>
             <a:r>
-              <a:rPr lang="en-GB" dirty="0" smtClean="0"/>
+              <a:rPr lang="en-GB" dirty="0"/>
               <a:t>Trading atomicity for availability and consistency</a:t>
             </a:r>
-            <a:endParaRPr lang="en-GB" dirty="0"/>
           </a:p>
         </p:txBody>
       </p:sp>
@@ -8875,7 +8859,7 @@
           <a:lstStyle/>
           <a:p>
             <a:r>
-              <a:rPr lang="en-GB" dirty="0" smtClean="0"/>
+              <a:rPr lang="en-GB" dirty="0"/>
               <a:t>Eventual consistency</a:t>
             </a:r>
             <a:endParaRPr lang="en-US" dirty="0"/>
@@ -8902,56 +8886,56 @@
           <a:p>
             <a:pPr lvl="1"/>
             <a:r>
-              <a:rPr lang="en-GB" dirty="0" smtClean="0"/>
+              <a:rPr lang="en-GB" dirty="0"/>
               <a:t>Availability over consistency</a:t>
             </a:r>
           </a:p>
           <a:p>
             <a:pPr lvl="2"/>
             <a:r>
-              <a:rPr lang="en-GB" dirty="0" smtClean="0"/>
+              <a:rPr lang="en-GB" dirty="0"/>
               <a:t>Avoid resource locking</a:t>
             </a:r>
           </a:p>
           <a:p>
             <a:pPr lvl="2"/>
             <a:r>
-              <a:rPr lang="en-GB" dirty="0" smtClean="0"/>
+              <a:rPr lang="en-GB" dirty="0"/>
               <a:t>Ideal for long running transactions</a:t>
             </a:r>
           </a:p>
           <a:p>
             <a:pPr lvl="2"/>
             <a:r>
-              <a:rPr lang="en-GB" dirty="0" smtClean="0"/>
+              <a:rPr lang="en-GB" dirty="0"/>
               <a:t>Race conditions</a:t>
             </a:r>
           </a:p>
           <a:p>
             <a:pPr lvl="1"/>
             <a:r>
-              <a:rPr lang="en-GB" dirty="0" smtClean="0"/>
+              <a:rPr lang="en-GB" dirty="0"/>
               <a:t>Data replication</a:t>
             </a:r>
           </a:p>
           <a:p>
             <a:pPr lvl="1"/>
             <a:r>
-              <a:rPr lang="en-GB" dirty="0" smtClean="0"/>
+              <a:rPr lang="en-GB" dirty="0"/>
               <a:t>Event based</a:t>
             </a:r>
           </a:p>
           <a:p>
             <a:pPr lvl="2"/>
             <a:r>
-              <a:rPr lang="en-GB" dirty="0" smtClean="0"/>
+              <a:rPr lang="en-GB" dirty="0"/>
               <a:t>Actions raised as events</a:t>
             </a:r>
           </a:p>
           <a:p>
             <a:pPr lvl="2"/>
             <a:r>
-              <a:rPr lang="en-GB" dirty="0" smtClean="0"/>
+              <a:rPr lang="en-GB" dirty="0"/>
               <a:t>Messages using message brokers</a:t>
             </a:r>
           </a:p>
@@ -9019,7 +9003,7 @@
           <a:lstStyle/>
           <a:p>
             <a:r>
-              <a:rPr lang="en-GB" dirty="0" smtClean="0"/>
+              <a:rPr lang="en-GB" dirty="0"/>
               <a:t>Saga Pattern</a:t>
             </a:r>
             <a:endParaRPr lang="en-US" dirty="0"/>
@@ -9051,71 +9035,70 @@
           <a:p>
             <a:pPr lvl="1"/>
             <a:r>
-              <a:rPr lang="en-GB" dirty="0" smtClean="0"/>
+              <a:rPr lang="en-GB" dirty="0"/>
               <a:t>Trading atomicity for availability and consistency</a:t>
             </a:r>
           </a:p>
           <a:p>
             <a:pPr lvl="2"/>
             <a:r>
-              <a:rPr lang="en-GB" dirty="0" smtClean="0"/>
+              <a:rPr lang="en-GB" dirty="0"/>
               <a:t>Transaction split into many requests </a:t>
             </a:r>
           </a:p>
           <a:p>
             <a:pPr lvl="2"/>
             <a:r>
-              <a:rPr lang="en-GB" dirty="0" smtClean="0"/>
+              <a:rPr lang="en-GB" dirty="0"/>
               <a:t>Track each request</a:t>
             </a:r>
           </a:p>
           <a:p>
             <a:pPr lvl="2"/>
             <a:r>
-              <a:rPr lang="en-GB" dirty="0" smtClean="0"/>
+              <a:rPr lang="en-GB" dirty="0"/>
               <a:t>First described in 1987</a:t>
             </a:r>
           </a:p>
           <a:p>
             <a:pPr lvl="1"/>
             <a:r>
-              <a:rPr lang="en-GB" dirty="0" smtClean="0"/>
+              <a:rPr lang="en-GB" dirty="0"/>
               <a:t>Failure management pattern</a:t>
             </a:r>
           </a:p>
           <a:p>
             <a:pPr lvl="2"/>
             <a:r>
-              <a:rPr lang="en-GB" dirty="0" smtClean="0"/>
+              <a:rPr lang="en-GB" dirty="0"/>
               <a:t>Compensate requests when one service fails</a:t>
             </a:r>
-            <a:endParaRPr lang="en-GB" dirty="0" smtClean="0"/>
           </a:p>
           <a:p>
             <a:pPr lvl="1"/>
             <a:r>
-              <a:rPr lang="en-GB" dirty="0" smtClean="0"/>
+              <a:rPr lang="en-GB" dirty="0"/>
               <a:t>Implementation</a:t>
             </a:r>
           </a:p>
           <a:p>
             <a:pPr lvl="2"/>
             <a:r>
-              <a:rPr lang="en-GB" dirty="0" smtClean="0"/>
+              <a:rPr lang="en-GB" dirty="0"/>
               <a:t>Saga log</a:t>
             </a:r>
           </a:p>
           <a:p>
             <a:pPr lvl="2"/>
             <a:r>
-              <a:rPr lang="en-GB" dirty="0" smtClean="0"/>
+              <a:rPr lang="en-GB" dirty="0"/>
               <a:t>Saga execution coordinator (SEC)</a:t>
             </a:r>
           </a:p>
           <a:p>
             <a:pPr lvl="2"/>
             <a:r>
-              <a:rPr lang="en-GB" dirty="0" smtClean="0"/>
+              <a:rPr lang="en-GB" dirty="0"/>
               <a:t>Requests and compensation requests</a:t>
             </a:r>
           </a:p>
@@ -9207,370 +9190,53 @@
           <a:lstStyle/>
           <a:p>
             <a:r>
-              <a:rPr lang="en-GB" dirty="0" smtClean="0"/>
-              <a:t>Tell us about your team</a:t>
+              <a:rPr lang="en-GB" dirty="0"/>
+              <a:t>.. If cloud computing </a:t>
+            </a:r>
+            <a:r>
+              <a:rPr lang="en-GB"/>
+              <a:t>was transportation (Build 2018)</a:t>
             </a:r>
             <a:endParaRPr lang="en-US" dirty="0"/>
           </a:p>
         </p:txBody>
       </p:sp>
-      <p:sp>
-        <p:nvSpPr>
-          <p:cNvPr id="6" name="Content Placeholder 5"/>
-          <p:cNvSpPr>
-            <a:spLocks noGrp="1"/>
-          </p:cNvSpPr>
+      <p:pic>
+        <p:nvPicPr>
+          <p:cNvPr id="3" name="Content Placeholder 2">
+            <a:extLst>
+              <a:ext uri="{FF2B5EF4-FFF2-40B4-BE49-F238E27FC236}">
+                <a16:creationId xmlns:a16="http://schemas.microsoft.com/office/drawing/2014/main" id="{91713DF3-5A87-40B3-A4B5-985808CB4AF6}"/>
+              </a:ext>
+            </a:extLst>
+          </p:cNvPr>
+          <p:cNvPicPr>
+            <a:picLocks noGrp="1" noChangeAspect="1"/>
+          </p:cNvPicPr>
           <p:nvPr>
             <p:ph idx="1"/>
           </p:nvPr>
-        </p:nvSpPr>
-        <p:spPr/>
-        <p:txBody>
-          <a:bodyPr/>
-          <a:lstStyle/>
-          <a:p>
-            <a:r>
-              <a:rPr lang="en-US" dirty="0" smtClean="0"/>
-              <a:t>&lt;Team name&gt;</a:t>
-            </a:r>
-            <a:endParaRPr lang="en-US" dirty="0"/>
-          </a:p>
-          <a:p>
-            <a:pPr lvl="1"/>
-            <a:r>
-              <a:rPr lang="en-US" dirty="0" smtClean="0"/>
-              <a:t>Which office (s) are you in?</a:t>
-            </a:r>
-          </a:p>
-          <a:p>
-            <a:pPr lvl="1"/>
-            <a:r>
-              <a:rPr lang="en-US" dirty="0" smtClean="0"/>
-              <a:t>What have you built?</a:t>
-            </a:r>
-          </a:p>
-          <a:p>
-            <a:pPr lvl="1"/>
-            <a:r>
-              <a:rPr lang="en-US" dirty="0" smtClean="0"/>
-              <a:t>Who is on your team</a:t>
-            </a:r>
-          </a:p>
-          <a:p>
-            <a:pPr lvl="1"/>
-            <a:endParaRPr lang="en-US" dirty="0"/>
-          </a:p>
-          <a:p>
-            <a:pPr lvl="2"/>
-            <a:endParaRPr lang="en-US" dirty="0"/>
-          </a:p>
-        </p:txBody>
-      </p:sp>
-      <p:graphicFrame>
-        <p:nvGraphicFramePr>
-          <p:cNvPr id="3" name="Table 2"/>
-          <p:cNvGraphicFramePr>
-            <a:graphicFrameLocks noGrp="1"/>
-          </p:cNvGraphicFramePr>
-          <p:nvPr>
-            <p:extLst>
-              <p:ext uri="{D42A27DB-BD31-4B8C-83A1-F6EECF244321}">
-                <p14:modId xmlns:p14="http://schemas.microsoft.com/office/powerpoint/2010/main" val="3714888957"/>
-              </p:ext>
-            </p:extLst>
-          </p:nvPr>
-        </p:nvGraphicFramePr>
-        <p:xfrm>
-          <a:off x="879315" y="2362835"/>
-          <a:ext cx="6096000" cy="2357120"/>
-        </p:xfrm>
-        <a:graphic>
-          <a:graphicData uri="http://schemas.openxmlformats.org/drawingml/2006/table">
-            <a:tbl>
-              <a:tblPr firstRow="1" bandRow="1">
-                <a:tableStyleId>{5C22544A-7EE6-4342-B048-85BDC9FD1C3A}</a:tableStyleId>
-              </a:tblPr>
-              <a:tblGrid>
-                <a:gridCol w="2032000">
-                  <a:extLst>
-                    <a:ext uri="{9D8B030D-6E8A-4147-A177-3AD203B41FA5}">
-                      <a16:colId xmlns:a16="http://schemas.microsoft.com/office/drawing/2014/main" xmlns="" val="4001979528"/>
-                    </a:ext>
-                  </a:extLst>
-                </a:gridCol>
-                <a:gridCol w="2032000">
-                  <a:extLst>
-                    <a:ext uri="{9D8B030D-6E8A-4147-A177-3AD203B41FA5}">
-                      <a16:colId xmlns:a16="http://schemas.microsoft.com/office/drawing/2014/main" xmlns="" val="272861669"/>
-                    </a:ext>
-                  </a:extLst>
-                </a:gridCol>
-                <a:gridCol w="2032000">
-                  <a:extLst>
-                    <a:ext uri="{9D8B030D-6E8A-4147-A177-3AD203B41FA5}">
-                      <a16:colId xmlns:a16="http://schemas.microsoft.com/office/drawing/2014/main" xmlns="" val="1573945335"/>
-                    </a:ext>
-                  </a:extLst>
-                </a:gridCol>
-              </a:tblGrid>
-              <a:tr h="370840">
-                <a:tc>
-                  <a:txBody>
-                    <a:bodyPr/>
-                    <a:lstStyle/>
-                    <a:p>
-                      <a:r>
-                        <a:rPr lang="en-GB" dirty="0" smtClean="0"/>
-                        <a:t>Name</a:t>
-                      </a:r>
-                      <a:endParaRPr lang="en-GB" dirty="0"/>
-                    </a:p>
-                  </a:txBody>
-                  <a:tcPr/>
-                </a:tc>
-                <a:tc>
-                  <a:txBody>
-                    <a:bodyPr/>
-                    <a:lstStyle/>
-                    <a:p>
-                      <a:r>
-                        <a:rPr lang="en-GB" dirty="0" smtClean="0"/>
-                        <a:t>Role</a:t>
-                      </a:r>
-                      <a:endParaRPr lang="en-GB" dirty="0"/>
-                    </a:p>
-                  </a:txBody>
-                  <a:tcPr/>
-                </a:tc>
-                <a:tc>
-                  <a:txBody>
-                    <a:bodyPr/>
-                    <a:lstStyle/>
-                    <a:p>
-                      <a:r>
-                        <a:rPr lang="en-GB" dirty="0" smtClean="0"/>
-                        <a:t>I usually work on…</a:t>
-                      </a:r>
-                      <a:endParaRPr lang="en-GB" dirty="0"/>
-                    </a:p>
-                  </a:txBody>
-                  <a:tcPr/>
-                </a:tc>
-                <a:extLst>
-                  <a:ext uri="{0D108BD9-81ED-4DB2-BD59-A6C34878D82A}">
-                    <a16:rowId xmlns:a16="http://schemas.microsoft.com/office/drawing/2014/main" xmlns="" val="2217962174"/>
-                  </a:ext>
-                </a:extLst>
-              </a:tr>
-              <a:tr h="370840">
-                <a:tc>
-                  <a:txBody>
-                    <a:bodyPr/>
-                    <a:lstStyle/>
-                    <a:p>
-                      <a:r>
-                        <a:rPr lang="en-GB" dirty="0" smtClean="0"/>
-                        <a:t>Sergiu Enache</a:t>
-                      </a:r>
-                      <a:endParaRPr lang="en-GB" dirty="0"/>
-                    </a:p>
-                  </a:txBody>
-                  <a:tcPr/>
-                </a:tc>
-                <a:tc>
-                  <a:txBody>
-                    <a:bodyPr/>
-                    <a:lstStyle/>
-                    <a:p>
-                      <a:r>
-                        <a:rPr lang="en-GB" dirty="0" smtClean="0"/>
-                        <a:t>Developer</a:t>
-                      </a:r>
-                      <a:endParaRPr lang="en-GB" dirty="0"/>
-                    </a:p>
-                  </a:txBody>
-                  <a:tcPr/>
-                </a:tc>
-                <a:tc>
-                  <a:txBody>
-                    <a:bodyPr/>
-                    <a:lstStyle/>
-                    <a:p>
-                      <a:r>
-                        <a:rPr lang="en-GB" dirty="0" smtClean="0"/>
-                        <a:t>Open Integration</a:t>
-                      </a:r>
-                      <a:r>
-                        <a:rPr lang="en-GB" baseline="0" dirty="0" smtClean="0"/>
-                        <a:t> project (WKUK)</a:t>
-                      </a:r>
-                      <a:endParaRPr lang="en-GB" dirty="0"/>
-                    </a:p>
-                  </a:txBody>
-                  <a:tcPr/>
-                </a:tc>
-                <a:extLst>
-                  <a:ext uri="{0D108BD9-81ED-4DB2-BD59-A6C34878D82A}">
-                    <a16:rowId xmlns:a16="http://schemas.microsoft.com/office/drawing/2014/main" xmlns="" val="416928465"/>
-                  </a:ext>
-                </a:extLst>
-              </a:tr>
-              <a:tr h="370840">
-                <a:tc>
-                  <a:txBody>
-                    <a:bodyPr/>
-                    <a:lstStyle/>
-                    <a:p>
-                      <a:endParaRPr lang="en-GB"/>
-                    </a:p>
-                  </a:txBody>
-                  <a:tcPr/>
-                </a:tc>
-                <a:tc>
-                  <a:txBody>
-                    <a:bodyPr/>
-                    <a:lstStyle/>
-                    <a:p>
-                      <a:endParaRPr lang="en-GB"/>
-                    </a:p>
-                  </a:txBody>
-                  <a:tcPr/>
-                </a:tc>
-                <a:tc>
-                  <a:txBody>
-                    <a:bodyPr/>
-                    <a:lstStyle/>
-                    <a:p>
-                      <a:endParaRPr lang="en-GB"/>
-                    </a:p>
-                  </a:txBody>
-                  <a:tcPr/>
-                </a:tc>
-                <a:extLst>
-                  <a:ext uri="{0D108BD9-81ED-4DB2-BD59-A6C34878D82A}">
-                    <a16:rowId xmlns:a16="http://schemas.microsoft.com/office/drawing/2014/main" xmlns="" val="3093368182"/>
-                  </a:ext>
-                </a:extLst>
-              </a:tr>
-              <a:tr h="370840">
-                <a:tc>
-                  <a:txBody>
-                    <a:bodyPr/>
-                    <a:lstStyle/>
-                    <a:p>
-                      <a:endParaRPr lang="en-GB"/>
-                    </a:p>
-                  </a:txBody>
-                  <a:tcPr/>
-                </a:tc>
-                <a:tc>
-                  <a:txBody>
-                    <a:bodyPr/>
-                    <a:lstStyle/>
-                    <a:p>
-                      <a:endParaRPr lang="en-GB"/>
-                    </a:p>
-                  </a:txBody>
-                  <a:tcPr/>
-                </a:tc>
-                <a:tc>
-                  <a:txBody>
-                    <a:bodyPr/>
-                    <a:lstStyle/>
-                    <a:p>
-                      <a:endParaRPr lang="en-GB"/>
-                    </a:p>
-                  </a:txBody>
-                  <a:tcPr/>
-                </a:tc>
-                <a:extLst>
-                  <a:ext uri="{0D108BD9-81ED-4DB2-BD59-A6C34878D82A}">
-                    <a16:rowId xmlns:a16="http://schemas.microsoft.com/office/drawing/2014/main" xmlns="" val="1049396310"/>
-                  </a:ext>
-                </a:extLst>
-              </a:tr>
-              <a:tr h="370840">
-                <a:tc>
-                  <a:txBody>
-                    <a:bodyPr/>
-                    <a:lstStyle/>
-                    <a:p>
-                      <a:endParaRPr lang="en-GB"/>
-                    </a:p>
-                  </a:txBody>
-                  <a:tcPr/>
-                </a:tc>
-                <a:tc>
-                  <a:txBody>
-                    <a:bodyPr/>
-                    <a:lstStyle/>
-                    <a:p>
-                      <a:endParaRPr lang="en-GB"/>
-                    </a:p>
-                  </a:txBody>
-                  <a:tcPr/>
-                </a:tc>
-                <a:tc>
-                  <a:txBody>
-                    <a:bodyPr/>
-                    <a:lstStyle/>
-                    <a:p>
-                      <a:endParaRPr lang="en-GB"/>
-                    </a:p>
-                  </a:txBody>
-                  <a:tcPr/>
-                </a:tc>
-                <a:extLst>
-                  <a:ext uri="{0D108BD9-81ED-4DB2-BD59-A6C34878D82A}">
-                    <a16:rowId xmlns:a16="http://schemas.microsoft.com/office/drawing/2014/main" xmlns="" val="3666640422"/>
-                  </a:ext>
-                </a:extLst>
-              </a:tr>
-              <a:tr h="370840">
-                <a:tc>
-                  <a:txBody>
-                    <a:bodyPr/>
-                    <a:lstStyle/>
-                    <a:p>
-                      <a:endParaRPr lang="en-GB"/>
-                    </a:p>
-                  </a:txBody>
-                  <a:tcPr/>
-                </a:tc>
-                <a:tc>
-                  <a:txBody>
-                    <a:bodyPr/>
-                    <a:lstStyle/>
-                    <a:p>
-                      <a:endParaRPr lang="en-GB"/>
-                    </a:p>
-                  </a:txBody>
-                  <a:tcPr/>
-                </a:tc>
-                <a:tc>
-                  <a:txBody>
-                    <a:bodyPr/>
-                    <a:lstStyle/>
-                    <a:p>
-                      <a:endParaRPr lang="en-GB" dirty="0"/>
-                    </a:p>
-                  </a:txBody>
-                  <a:tcPr/>
-                </a:tc>
-                <a:extLst>
-                  <a:ext uri="{0D108BD9-81ED-4DB2-BD59-A6C34878D82A}">
-                    <a16:rowId xmlns:a16="http://schemas.microsoft.com/office/drawing/2014/main" xmlns="" val="1826840652"/>
-                  </a:ext>
-                </a:extLst>
-              </a:tr>
-            </a:tbl>
-          </a:graphicData>
-        </a:graphic>
-      </p:graphicFrame>
+        </p:nvPicPr>
+        <p:blipFill>
+          <a:blip r:embed="rId2"/>
+          <a:stretch>
+            <a:fillRect/>
+          </a:stretch>
+        </p:blipFill>
+        <p:spPr>
+          <a:xfrm>
+            <a:off x="574675" y="1049859"/>
+            <a:ext cx="7994650" cy="3520032"/>
+          </a:xfrm>
+          <a:prstGeom prst="rect">
+            <a:avLst/>
+          </a:prstGeom>
+        </p:spPr>
+      </p:pic>
     </p:spTree>
     <p:extLst>
       <p:ext uri="{BB962C8B-B14F-4D97-AF65-F5344CB8AC3E}">
-        <p14:creationId xmlns:p14="http://schemas.microsoft.com/office/powerpoint/2010/main" val="2221866878"/>
+        <p14:creationId xmlns:p14="http://schemas.microsoft.com/office/powerpoint/2010/main" val="332357059"/>
       </p:ext>
     </p:extLst>
   </p:cSld>
@@ -9625,8 +9291,8 @@
           <a:lstStyle/>
           <a:p>
             <a:r>
-              <a:rPr lang="en-GB" dirty="0" smtClean="0"/>
-              <a:t>Tell us about your solution</a:t>
+              <a:rPr lang="en-GB" dirty="0"/>
+              <a:t>Tell us about your team</a:t>
             </a:r>
             <a:endParaRPr lang="en-US" dirty="0"/>
           </a:p>
@@ -9647,6 +9313,418 @@
           <a:bodyPr/>
           <a:lstStyle/>
           <a:p>
+            <a:r>
+              <a:rPr lang="en-US" dirty="0"/>
+              <a:t>&lt;Team name&gt;</a:t>
+            </a:r>
+          </a:p>
+          <a:p>
+            <a:pPr lvl="1"/>
+            <a:r>
+              <a:rPr lang="en-US" dirty="0"/>
+              <a:t>Which office (s) are you in?</a:t>
+            </a:r>
+          </a:p>
+          <a:p>
+            <a:pPr lvl="1"/>
+            <a:r>
+              <a:rPr lang="en-US" dirty="0"/>
+              <a:t>What have you built?</a:t>
+            </a:r>
+          </a:p>
+          <a:p>
+            <a:pPr lvl="1"/>
+            <a:r>
+              <a:rPr lang="en-US" dirty="0"/>
+              <a:t>Who is on your team</a:t>
+            </a:r>
+          </a:p>
+          <a:p>
+            <a:pPr lvl="1"/>
+            <a:endParaRPr lang="en-US" dirty="0"/>
+          </a:p>
+          <a:p>
+            <a:pPr lvl="2"/>
+            <a:endParaRPr lang="en-US" dirty="0"/>
+          </a:p>
+        </p:txBody>
+      </p:sp>
+      <p:graphicFrame>
+        <p:nvGraphicFramePr>
+          <p:cNvPr id="3" name="Table 2"/>
+          <p:cNvGraphicFramePr>
+            <a:graphicFrameLocks noGrp="1"/>
+          </p:cNvGraphicFramePr>
+          <p:nvPr>
+            <p:extLst>
+              <p:ext uri="{D42A27DB-BD31-4B8C-83A1-F6EECF244321}">
+                <p14:modId xmlns:p14="http://schemas.microsoft.com/office/powerpoint/2010/main" val="3714888957"/>
+              </p:ext>
+            </p:extLst>
+          </p:nvPr>
+        </p:nvGraphicFramePr>
+        <p:xfrm>
+          <a:off x="879315" y="2362835"/>
+          <a:ext cx="6096000" cy="2357120"/>
+        </p:xfrm>
+        <a:graphic>
+          <a:graphicData uri="http://schemas.openxmlformats.org/drawingml/2006/table">
+            <a:tbl>
+              <a:tblPr firstRow="1" bandRow="1">
+                <a:tableStyleId>{5C22544A-7EE6-4342-B048-85BDC9FD1C3A}</a:tableStyleId>
+              </a:tblPr>
+              <a:tblGrid>
+                <a:gridCol w="2032000">
+                  <a:extLst>
+                    <a:ext uri="{9D8B030D-6E8A-4147-A177-3AD203B41FA5}">
+                      <a16:colId xmlns:a16="http://schemas.microsoft.com/office/drawing/2014/main" val="4001979528"/>
+                    </a:ext>
+                  </a:extLst>
+                </a:gridCol>
+                <a:gridCol w="2032000">
+                  <a:extLst>
+                    <a:ext uri="{9D8B030D-6E8A-4147-A177-3AD203B41FA5}">
+                      <a16:colId xmlns:a16="http://schemas.microsoft.com/office/drawing/2014/main" val="272861669"/>
+                    </a:ext>
+                  </a:extLst>
+                </a:gridCol>
+                <a:gridCol w="2032000">
+                  <a:extLst>
+                    <a:ext uri="{9D8B030D-6E8A-4147-A177-3AD203B41FA5}">
+                      <a16:colId xmlns:a16="http://schemas.microsoft.com/office/drawing/2014/main" val="1573945335"/>
+                    </a:ext>
+                  </a:extLst>
+                </a:gridCol>
+              </a:tblGrid>
+              <a:tr h="370840">
+                <a:tc>
+                  <a:txBody>
+                    <a:bodyPr/>
+                    <a:lstStyle/>
+                    <a:p>
+                      <a:r>
+                        <a:rPr lang="en-GB" dirty="0"/>
+                        <a:t>Name</a:t>
+                      </a:r>
+                    </a:p>
+                  </a:txBody>
+                  <a:tcPr/>
+                </a:tc>
+                <a:tc>
+                  <a:txBody>
+                    <a:bodyPr/>
+                    <a:lstStyle/>
+                    <a:p>
+                      <a:r>
+                        <a:rPr lang="en-GB" dirty="0"/>
+                        <a:t>Role</a:t>
+                      </a:r>
+                    </a:p>
+                  </a:txBody>
+                  <a:tcPr/>
+                </a:tc>
+                <a:tc>
+                  <a:txBody>
+                    <a:bodyPr/>
+                    <a:lstStyle/>
+                    <a:p>
+                      <a:r>
+                        <a:rPr lang="en-GB" dirty="0"/>
+                        <a:t>I usually work on…</a:t>
+                      </a:r>
+                    </a:p>
+                  </a:txBody>
+                  <a:tcPr/>
+                </a:tc>
+                <a:extLst>
+                  <a:ext uri="{0D108BD9-81ED-4DB2-BD59-A6C34878D82A}">
+                    <a16:rowId xmlns:a16="http://schemas.microsoft.com/office/drawing/2014/main" val="2217962174"/>
+                  </a:ext>
+                </a:extLst>
+              </a:tr>
+              <a:tr h="370840">
+                <a:tc>
+                  <a:txBody>
+                    <a:bodyPr/>
+                    <a:lstStyle/>
+                    <a:p>
+                      <a:r>
+                        <a:rPr lang="en-GB" dirty="0"/>
+                        <a:t>Sergiu Enache</a:t>
+                      </a:r>
+                    </a:p>
+                  </a:txBody>
+                  <a:tcPr/>
+                </a:tc>
+                <a:tc>
+                  <a:txBody>
+                    <a:bodyPr/>
+                    <a:lstStyle/>
+                    <a:p>
+                      <a:r>
+                        <a:rPr lang="en-GB" dirty="0"/>
+                        <a:t>Developer</a:t>
+                      </a:r>
+                    </a:p>
+                  </a:txBody>
+                  <a:tcPr/>
+                </a:tc>
+                <a:tc>
+                  <a:txBody>
+                    <a:bodyPr/>
+                    <a:lstStyle/>
+                    <a:p>
+                      <a:r>
+                        <a:rPr lang="en-GB" dirty="0"/>
+                        <a:t>Open Integration</a:t>
+                      </a:r>
+                      <a:r>
+                        <a:rPr lang="en-GB" baseline="0" dirty="0"/>
+                        <a:t> project (WKUK)</a:t>
+                      </a:r>
+                      <a:endParaRPr lang="en-GB" dirty="0"/>
+                    </a:p>
+                  </a:txBody>
+                  <a:tcPr/>
+                </a:tc>
+                <a:extLst>
+                  <a:ext uri="{0D108BD9-81ED-4DB2-BD59-A6C34878D82A}">
+                    <a16:rowId xmlns:a16="http://schemas.microsoft.com/office/drawing/2014/main" val="416928465"/>
+                  </a:ext>
+                </a:extLst>
+              </a:tr>
+              <a:tr h="370840">
+                <a:tc>
+                  <a:txBody>
+                    <a:bodyPr/>
+                    <a:lstStyle/>
+                    <a:p>
+                      <a:endParaRPr lang="en-GB"/>
+                    </a:p>
+                  </a:txBody>
+                  <a:tcPr/>
+                </a:tc>
+                <a:tc>
+                  <a:txBody>
+                    <a:bodyPr/>
+                    <a:lstStyle/>
+                    <a:p>
+                      <a:endParaRPr lang="en-GB"/>
+                    </a:p>
+                  </a:txBody>
+                  <a:tcPr/>
+                </a:tc>
+                <a:tc>
+                  <a:txBody>
+                    <a:bodyPr/>
+                    <a:lstStyle/>
+                    <a:p>
+                      <a:endParaRPr lang="en-GB"/>
+                    </a:p>
+                  </a:txBody>
+                  <a:tcPr/>
+                </a:tc>
+                <a:extLst>
+                  <a:ext uri="{0D108BD9-81ED-4DB2-BD59-A6C34878D82A}">
+                    <a16:rowId xmlns:a16="http://schemas.microsoft.com/office/drawing/2014/main" val="3093368182"/>
+                  </a:ext>
+                </a:extLst>
+              </a:tr>
+              <a:tr h="370840">
+                <a:tc>
+                  <a:txBody>
+                    <a:bodyPr/>
+                    <a:lstStyle/>
+                    <a:p>
+                      <a:endParaRPr lang="en-GB"/>
+                    </a:p>
+                  </a:txBody>
+                  <a:tcPr/>
+                </a:tc>
+                <a:tc>
+                  <a:txBody>
+                    <a:bodyPr/>
+                    <a:lstStyle/>
+                    <a:p>
+                      <a:endParaRPr lang="en-GB"/>
+                    </a:p>
+                  </a:txBody>
+                  <a:tcPr/>
+                </a:tc>
+                <a:tc>
+                  <a:txBody>
+                    <a:bodyPr/>
+                    <a:lstStyle/>
+                    <a:p>
+                      <a:endParaRPr lang="en-GB"/>
+                    </a:p>
+                  </a:txBody>
+                  <a:tcPr/>
+                </a:tc>
+                <a:extLst>
+                  <a:ext uri="{0D108BD9-81ED-4DB2-BD59-A6C34878D82A}">
+                    <a16:rowId xmlns:a16="http://schemas.microsoft.com/office/drawing/2014/main" val="1049396310"/>
+                  </a:ext>
+                </a:extLst>
+              </a:tr>
+              <a:tr h="370840">
+                <a:tc>
+                  <a:txBody>
+                    <a:bodyPr/>
+                    <a:lstStyle/>
+                    <a:p>
+                      <a:endParaRPr lang="en-GB"/>
+                    </a:p>
+                  </a:txBody>
+                  <a:tcPr/>
+                </a:tc>
+                <a:tc>
+                  <a:txBody>
+                    <a:bodyPr/>
+                    <a:lstStyle/>
+                    <a:p>
+                      <a:endParaRPr lang="en-GB"/>
+                    </a:p>
+                  </a:txBody>
+                  <a:tcPr/>
+                </a:tc>
+                <a:tc>
+                  <a:txBody>
+                    <a:bodyPr/>
+                    <a:lstStyle/>
+                    <a:p>
+                      <a:endParaRPr lang="en-GB"/>
+                    </a:p>
+                  </a:txBody>
+                  <a:tcPr/>
+                </a:tc>
+                <a:extLst>
+                  <a:ext uri="{0D108BD9-81ED-4DB2-BD59-A6C34878D82A}">
+                    <a16:rowId xmlns:a16="http://schemas.microsoft.com/office/drawing/2014/main" val="3666640422"/>
+                  </a:ext>
+                </a:extLst>
+              </a:tr>
+              <a:tr h="370840">
+                <a:tc>
+                  <a:txBody>
+                    <a:bodyPr/>
+                    <a:lstStyle/>
+                    <a:p>
+                      <a:endParaRPr lang="en-GB"/>
+                    </a:p>
+                  </a:txBody>
+                  <a:tcPr/>
+                </a:tc>
+                <a:tc>
+                  <a:txBody>
+                    <a:bodyPr/>
+                    <a:lstStyle/>
+                    <a:p>
+                      <a:endParaRPr lang="en-GB"/>
+                    </a:p>
+                  </a:txBody>
+                  <a:tcPr/>
+                </a:tc>
+                <a:tc>
+                  <a:txBody>
+                    <a:bodyPr/>
+                    <a:lstStyle/>
+                    <a:p>
+                      <a:endParaRPr lang="en-GB" dirty="0"/>
+                    </a:p>
+                  </a:txBody>
+                  <a:tcPr/>
+                </a:tc>
+                <a:extLst>
+                  <a:ext uri="{0D108BD9-81ED-4DB2-BD59-A6C34878D82A}">
+                    <a16:rowId xmlns:a16="http://schemas.microsoft.com/office/drawing/2014/main" val="1826840652"/>
+                  </a:ext>
+                </a:extLst>
+              </a:tr>
+            </a:tbl>
+          </a:graphicData>
+        </a:graphic>
+      </p:graphicFrame>
+    </p:spTree>
+    <p:extLst>
+      <p:ext uri="{BB962C8B-B14F-4D97-AF65-F5344CB8AC3E}">
+        <p14:creationId xmlns:p14="http://schemas.microsoft.com/office/powerpoint/2010/main" val="2221866878"/>
+      </p:ext>
+    </p:extLst>
+  </p:cSld>
+  <p:clrMapOvr>
+    <a:masterClrMapping/>
+  </p:clrMapOvr>
+  <mc:AlternateContent xmlns:mc="http://schemas.openxmlformats.org/markup-compatibility/2006" xmlns:p14="http://schemas.microsoft.com/office/powerpoint/2010/main">
+    <mc:Choice Requires="p14">
+      <p:transition spd="med" p14:dur="700">
+        <p:fade/>
+      </p:transition>
+    </mc:Choice>
+    <mc:Fallback xmlns="">
+      <p:transition spd="med">
+        <p:fade/>
+      </p:transition>
+    </mc:Fallback>
+  </mc:AlternateContent>
+</p:sld>
+</file>
+
+<file path=ppt/slides/slide7.xml><?xml version="1.0" encoding="utf-8"?>
+<p:sld xmlns:a="http://schemas.openxmlformats.org/drawingml/2006/main" xmlns:r="http://schemas.openxmlformats.org/officeDocument/2006/relationships" xmlns:p="http://schemas.openxmlformats.org/presentationml/2006/main">
+  <p:cSld>
+    <p:spTree>
+      <p:nvGrpSpPr>
+        <p:cNvPr id="1" name=""/>
+        <p:cNvGrpSpPr/>
+        <p:nvPr/>
+      </p:nvGrpSpPr>
+      <p:grpSpPr>
+        <a:xfrm>
+          <a:off x="0" y="0"/>
+          <a:ext cx="0" cy="0"/>
+          <a:chOff x="0" y="0"/>
+          <a:chExt cx="0" cy="0"/>
+        </a:xfrm>
+      </p:grpSpPr>
+      <p:sp>
+        <p:nvSpPr>
+          <p:cNvPr id="2" name="Title 1"/>
+          <p:cNvSpPr>
+            <a:spLocks noGrp="1"/>
+          </p:cNvSpPr>
+          <p:nvPr>
+            <p:ph type="title"/>
+          </p:nvPr>
+        </p:nvSpPr>
+        <p:spPr/>
+        <p:txBody>
+          <a:bodyPr/>
+          <a:lstStyle/>
+          <a:p>
+            <a:r>
+              <a:rPr lang="en-GB" dirty="0"/>
+              <a:t>Tell us about your solution</a:t>
+            </a:r>
+            <a:endParaRPr lang="en-US" dirty="0"/>
+          </a:p>
+        </p:txBody>
+      </p:sp>
+      <p:sp>
+        <p:nvSpPr>
+          <p:cNvPr id="6" name="Content Placeholder 5"/>
+          <p:cNvSpPr>
+            <a:spLocks noGrp="1"/>
+          </p:cNvSpPr>
+          <p:nvPr>
+            <p:ph idx="1"/>
+          </p:nvPr>
+        </p:nvSpPr>
+        <p:spPr/>
+        <p:txBody>
+          <a:bodyPr/>
+          <a:lstStyle/>
+          <a:p>
             <a:endParaRPr lang="en-US" dirty="0"/>
           </a:p>
           <a:p>
@@ -9681,17 +9759,8 @@
             <a:pPr lvl="1"/>
             <a:r>
               <a:rPr lang="en-GB" dirty="0"/>
-              <a:t>Why will we and our customers love your </a:t>
-            </a:r>
-            <a:r>
-              <a:rPr lang="en-GB" dirty="0" smtClean="0"/>
-              <a:t>Work?</a:t>
-            </a:r>
-            <a:endParaRPr lang="en-GB" dirty="0"/>
-          </a:p>
-          <a:p>
-            <a:pPr lvl="1"/>
-            <a:endParaRPr lang="en-US" dirty="0" smtClean="0"/>
+              <a:t>Why will we and our customers love your Work?</a:t>
+            </a:r>
           </a:p>
           <a:p>
             <a:pPr lvl="1"/>
@@ -9699,13 +9768,13 @@
           </a:p>
           <a:p>
             <a:pPr lvl="1"/>
+            <a:endParaRPr lang="en-US" dirty="0"/>
+          </a:p>
+          <a:p>
+            <a:pPr lvl="1"/>
             <a:r>
               <a:rPr lang="en-GB" dirty="0"/>
-              <a:t>Remember to record a 2 – 3 minute video and upload it, and this PowerPoint to unique folder on this collaborate site</a:t>
-            </a:r>
-            <a:r>
-              <a:rPr lang="en-GB" dirty="0" smtClean="0"/>
-              <a:t>:</a:t>
+              <a:t>Remember to record a 2 – 3 minute video and upload it, and this PowerPoint to unique folder on this collaborate site:</a:t>
             </a:r>
             <a:endParaRPr lang="en-US" dirty="0"/>
           </a:p>
@@ -9715,19 +9784,12 @@
               <a:rPr lang="en-GB" dirty="0">
                 <a:hlinkClick r:id="rId2"/>
               </a:rPr>
-              <a:t>https://go.accessacloud.com/app/collaboration/workspace/index/ce4380dfcef34241b52f15d8f106d9fe</a:t>
-            </a:r>
-            <a:r>
-              <a:rPr lang="en-GB" dirty="0" smtClean="0">
-                <a:hlinkClick r:id="rId2"/>
-              </a:rPr>
-              <a:t>/</a:t>
-            </a:r>
-            <a:r>
-              <a:rPr lang="en-GB" dirty="0" smtClean="0"/>
+              <a:t>https://go.accessacloud.com/app/collaboration/workspace/index/ce4380dfcef34241b52f15d8f106d9fe/</a:t>
+            </a:r>
+            <a:r>
+              <a:rPr lang="en-GB" dirty="0"/>
               <a:t> </a:t>
             </a:r>
-            <a:endParaRPr lang="en-GB" dirty="0"/>
           </a:p>
         </p:txBody>
       </p:sp>
